--- a/doc/ポジネガフレンズ_発表用.pptx
+++ b/doc/ポジネガフレンズ_発表用.pptx
@@ -5,7 +5,7 @@
     <p:sldMasterId id="2147483648" r:id="rId1"/>
   </p:sldMasterIdLst>
   <p:notesMasterIdLst>
-    <p:notesMasterId r:id="rId13"/>
+    <p:notesMasterId r:id="rId15"/>
   </p:notesMasterIdLst>
   <p:sldIdLst>
     <p:sldId id="256" r:id="rId2"/>
@@ -13,12 +13,14 @@
     <p:sldId id="260" r:id="rId4"/>
     <p:sldId id="262" r:id="rId5"/>
     <p:sldId id="263" r:id="rId6"/>
-    <p:sldId id="264" r:id="rId7"/>
-    <p:sldId id="265" r:id="rId8"/>
-    <p:sldId id="261" r:id="rId9"/>
-    <p:sldId id="266" r:id="rId10"/>
-    <p:sldId id="257" r:id="rId11"/>
-    <p:sldId id="258" r:id="rId12"/>
+    <p:sldId id="267" r:id="rId7"/>
+    <p:sldId id="268" r:id="rId8"/>
+    <p:sldId id="264" r:id="rId9"/>
+    <p:sldId id="265" r:id="rId10"/>
+    <p:sldId id="261" r:id="rId11"/>
+    <p:sldId id="266" r:id="rId12"/>
+    <p:sldId id="257" r:id="rId13"/>
+    <p:sldId id="258" r:id="rId14"/>
   </p:sldIdLst>
   <p:sldSz cx="9144000" cy="6858000" type="screen4x3"/>
   <p:notesSz cx="6858000" cy="9144000"/>
@@ -816,6 +818,188 @@
             <a:fld id="{8EDD8C47-74A9-3F42-A440-EDBE846ECD32}" type="slidenum">
               <a:rPr lang="en-US" smtClean="0"/>
               <a:t>6</a:t>
+            </a:fld>
+            <a:endParaRPr lang="en-US"/>
+          </a:p>
+        </p:txBody>
+      </p:sp>
+    </p:spTree>
+    <p:extLst>
+      <p:ext uri="{BB962C8B-B14F-4D97-AF65-F5344CB8AC3E}">
+        <p14:creationId xmlns:p14="http://schemas.microsoft.com/office/powerpoint/2010/main" val="3391488750"/>
+      </p:ext>
+    </p:extLst>
+  </p:cSld>
+  <p:clrMapOvr>
+    <a:masterClrMapping/>
+  </p:clrMapOvr>
+</p:notes>
+</file>
+
+<file path=ppt/notesSlides/notesSlide5.xml><?xml version="1.0" encoding="utf-8"?>
+<p:notes xmlns:a="http://schemas.openxmlformats.org/drawingml/2006/main" xmlns:r="http://schemas.openxmlformats.org/officeDocument/2006/relationships" xmlns:p="http://schemas.openxmlformats.org/presentationml/2006/main">
+  <p:cSld>
+    <p:spTree>
+      <p:nvGrpSpPr>
+        <p:cNvPr id="1" name=""/>
+        <p:cNvGrpSpPr/>
+        <p:nvPr/>
+      </p:nvGrpSpPr>
+      <p:grpSpPr>
+        <a:xfrm>
+          <a:off x="0" y="0"/>
+          <a:ext cx="0" cy="0"/>
+          <a:chOff x="0" y="0"/>
+          <a:chExt cx="0" cy="0"/>
+        </a:xfrm>
+      </p:grpSpPr>
+      <p:sp>
+        <p:nvSpPr>
+          <p:cNvPr id="2" name="Slide Image Placeholder 1"/>
+          <p:cNvSpPr>
+            <a:spLocks noGrp="1" noRot="1" noChangeAspect="1"/>
+          </p:cNvSpPr>
+          <p:nvPr>
+            <p:ph type="sldImg"/>
+          </p:nvPr>
+        </p:nvSpPr>
+        <p:spPr/>
+      </p:sp>
+      <p:sp>
+        <p:nvSpPr>
+          <p:cNvPr id="3" name="Notes Placeholder 2"/>
+          <p:cNvSpPr>
+            <a:spLocks noGrp="1"/>
+          </p:cNvSpPr>
+          <p:nvPr>
+            <p:ph type="body" idx="1"/>
+          </p:nvPr>
+        </p:nvSpPr>
+        <p:spPr/>
+        <p:txBody>
+          <a:bodyPr/>
+          <a:lstStyle/>
+          <a:p>
+            <a:r>
+              <a:rPr lang="ja-JP" altLang="en-US" dirty="0" smtClean="0"/>
+              <a:t>幸せになりたいですよね？</a:t>
+            </a:r>
+            <a:endParaRPr lang="en-US" altLang="ja-JP" dirty="0" smtClean="0"/>
+          </a:p>
+          <a:p>
+            <a:endParaRPr lang="en-US" dirty="0"/>
+          </a:p>
+        </p:txBody>
+      </p:sp>
+      <p:sp>
+        <p:nvSpPr>
+          <p:cNvPr id="4" name="Slide Number Placeholder 3"/>
+          <p:cNvSpPr>
+            <a:spLocks noGrp="1"/>
+          </p:cNvSpPr>
+          <p:nvPr>
+            <p:ph type="sldNum" sz="quarter" idx="10"/>
+          </p:nvPr>
+        </p:nvSpPr>
+        <p:spPr/>
+        <p:txBody>
+          <a:bodyPr/>
+          <a:lstStyle/>
+          <a:p>
+            <a:fld id="{8EDD8C47-74A9-3F42-A440-EDBE846ECD32}" type="slidenum">
+              <a:rPr lang="en-US" smtClean="0"/>
+              <a:t>7</a:t>
+            </a:fld>
+            <a:endParaRPr lang="en-US"/>
+          </a:p>
+        </p:txBody>
+      </p:sp>
+    </p:spTree>
+    <p:extLst>
+      <p:ext uri="{BB962C8B-B14F-4D97-AF65-F5344CB8AC3E}">
+        <p14:creationId xmlns:p14="http://schemas.microsoft.com/office/powerpoint/2010/main" val="3391488750"/>
+      </p:ext>
+    </p:extLst>
+  </p:cSld>
+  <p:clrMapOvr>
+    <a:masterClrMapping/>
+  </p:clrMapOvr>
+</p:notes>
+</file>
+
+<file path=ppt/notesSlides/notesSlide6.xml><?xml version="1.0" encoding="utf-8"?>
+<p:notes xmlns:a="http://schemas.openxmlformats.org/drawingml/2006/main" xmlns:r="http://schemas.openxmlformats.org/officeDocument/2006/relationships" xmlns:p="http://schemas.openxmlformats.org/presentationml/2006/main">
+  <p:cSld>
+    <p:spTree>
+      <p:nvGrpSpPr>
+        <p:cNvPr id="1" name=""/>
+        <p:cNvGrpSpPr/>
+        <p:nvPr/>
+      </p:nvGrpSpPr>
+      <p:grpSpPr>
+        <a:xfrm>
+          <a:off x="0" y="0"/>
+          <a:ext cx="0" cy="0"/>
+          <a:chOff x="0" y="0"/>
+          <a:chExt cx="0" cy="0"/>
+        </a:xfrm>
+      </p:grpSpPr>
+      <p:sp>
+        <p:nvSpPr>
+          <p:cNvPr id="2" name="Slide Image Placeholder 1"/>
+          <p:cNvSpPr>
+            <a:spLocks noGrp="1" noRot="1" noChangeAspect="1"/>
+          </p:cNvSpPr>
+          <p:nvPr>
+            <p:ph type="sldImg"/>
+          </p:nvPr>
+        </p:nvSpPr>
+        <p:spPr/>
+      </p:sp>
+      <p:sp>
+        <p:nvSpPr>
+          <p:cNvPr id="3" name="Notes Placeholder 2"/>
+          <p:cNvSpPr>
+            <a:spLocks noGrp="1"/>
+          </p:cNvSpPr>
+          <p:nvPr>
+            <p:ph type="body" idx="1"/>
+          </p:nvPr>
+        </p:nvSpPr>
+        <p:spPr/>
+        <p:txBody>
+          <a:bodyPr/>
+          <a:lstStyle/>
+          <a:p>
+            <a:r>
+              <a:rPr lang="ja-JP" altLang="en-US" dirty="0" smtClean="0"/>
+              <a:t>幸せになりたいですよね？</a:t>
+            </a:r>
+            <a:endParaRPr lang="en-US" altLang="ja-JP" dirty="0" smtClean="0"/>
+          </a:p>
+          <a:p>
+            <a:endParaRPr lang="en-US" dirty="0"/>
+          </a:p>
+        </p:txBody>
+      </p:sp>
+      <p:sp>
+        <p:nvSpPr>
+          <p:cNvPr id="4" name="Slide Number Placeholder 3"/>
+          <p:cNvSpPr>
+            <a:spLocks noGrp="1"/>
+          </p:cNvSpPr>
+          <p:nvPr>
+            <p:ph type="sldNum" sz="quarter" idx="10"/>
+          </p:nvPr>
+        </p:nvSpPr>
+        <p:spPr/>
+        <p:txBody>
+          <a:bodyPr/>
+          <a:lstStyle/>
+          <a:p>
+            <a:fld id="{8EDD8C47-74A9-3F42-A440-EDBE846ECD32}" type="slidenum">
+              <a:rPr lang="en-US" smtClean="0"/>
+              <a:t>8</a:t>
             </a:fld>
             <a:endParaRPr lang="en-US"/>
           </a:p>
@@ -3923,757 +4107,6 @@
         </p:nvSpPr>
         <p:spPr/>
         <p:txBody>
-          <a:bodyPr/>
-          <a:lstStyle/>
-          <a:p>
-            <a:endParaRPr lang="en-US" dirty="0"/>
-          </a:p>
-        </p:txBody>
-      </p:sp>
-      <p:sp>
-        <p:nvSpPr>
-          <p:cNvPr id="3" name="Content Placeholder 2"/>
-          <p:cNvSpPr>
-            <a:spLocks noGrp="1"/>
-          </p:cNvSpPr>
-          <p:nvPr>
-            <p:ph idx="1"/>
-          </p:nvPr>
-        </p:nvSpPr>
-        <p:spPr>
-          <a:xfrm>
-            <a:off x="457200" y="1600200"/>
-            <a:ext cx="3245853" cy="4525963"/>
-          </a:xfrm>
-        </p:spPr>
-        <p:txBody>
-          <a:bodyPr/>
-          <a:lstStyle/>
-          <a:p>
-            <a:endParaRPr lang="en-US" dirty="0"/>
-          </a:p>
-        </p:txBody>
-      </p:sp>
-      <p:pic>
-        <p:nvPicPr>
-          <p:cNvPr id="4" name="Picture 3" descr="スクリーンショット 2014-10-18 17.36.58.png"/>
-          <p:cNvPicPr>
-            <a:picLocks noChangeAspect="1"/>
-          </p:cNvPicPr>
-          <p:nvPr/>
-        </p:nvPicPr>
-        <p:blipFill>
-          <a:blip r:embed="rId2">
-            <a:extLst>
-              <a:ext uri="{28A0092B-C50C-407E-A947-70E740481C1C}">
-                <a14:useLocalDpi xmlns:a14="http://schemas.microsoft.com/office/drawing/2010/main" val="0"/>
-              </a:ext>
-            </a:extLst>
-          </a:blip>
-          <a:stretch>
-            <a:fillRect/>
-          </a:stretch>
-        </p:blipFill>
-        <p:spPr>
-          <a:xfrm>
-            <a:off x="5176079" y="1600200"/>
-            <a:ext cx="2798507" cy="5257800"/>
-          </a:xfrm>
-          <a:prstGeom prst="rect">
-            <a:avLst/>
-          </a:prstGeom>
-        </p:spPr>
-      </p:pic>
-    </p:spTree>
-    <p:extLst>
-      <p:ext uri="{BB962C8B-B14F-4D97-AF65-F5344CB8AC3E}">
-        <p14:creationId xmlns:p14="http://schemas.microsoft.com/office/powerpoint/2010/main" val="1651218405"/>
-      </p:ext>
-    </p:extLst>
-  </p:cSld>
-  <p:clrMapOvr>
-    <a:masterClrMapping/>
-  </p:clrMapOvr>
-</p:sld>
-</file>
-
-<file path=ppt/slides/slide11.xml><?xml version="1.0" encoding="utf-8"?>
-<p:sld xmlns:a="http://schemas.openxmlformats.org/drawingml/2006/main" xmlns:r="http://schemas.openxmlformats.org/officeDocument/2006/relationships" xmlns:p="http://schemas.openxmlformats.org/presentationml/2006/main">
-  <p:cSld>
-    <p:spTree>
-      <p:nvGrpSpPr>
-        <p:cNvPr id="1" name=""/>
-        <p:cNvGrpSpPr/>
-        <p:nvPr/>
-      </p:nvGrpSpPr>
-      <p:grpSpPr>
-        <a:xfrm>
-          <a:off x="0" y="0"/>
-          <a:ext cx="0" cy="0"/>
-          <a:chOff x="0" y="0"/>
-          <a:chExt cx="0" cy="0"/>
-        </a:xfrm>
-      </p:grpSpPr>
-      <p:sp>
-        <p:nvSpPr>
-          <p:cNvPr id="2" name="Title 1"/>
-          <p:cNvSpPr>
-            <a:spLocks noGrp="1"/>
-          </p:cNvSpPr>
-          <p:nvPr>
-            <p:ph type="title"/>
-          </p:nvPr>
-        </p:nvSpPr>
-        <p:spPr/>
-        <p:txBody>
-          <a:bodyPr/>
-          <a:lstStyle/>
-          <a:p>
-            <a:endParaRPr lang="en-US"/>
-          </a:p>
-        </p:txBody>
-      </p:sp>
-      <p:sp>
-        <p:nvSpPr>
-          <p:cNvPr id="3" name="Content Placeholder 2"/>
-          <p:cNvSpPr>
-            <a:spLocks noGrp="1"/>
-          </p:cNvSpPr>
-          <p:nvPr>
-            <p:ph idx="1"/>
-          </p:nvPr>
-        </p:nvSpPr>
-        <p:spPr/>
-        <p:txBody>
-          <a:bodyPr/>
-          <a:lstStyle/>
-          <a:p>
-            <a:endParaRPr lang="en-US"/>
-          </a:p>
-        </p:txBody>
-      </p:sp>
-    </p:spTree>
-    <p:extLst>
-      <p:ext uri="{BB962C8B-B14F-4D97-AF65-F5344CB8AC3E}">
-        <p14:creationId xmlns:p14="http://schemas.microsoft.com/office/powerpoint/2010/main" val="3764474240"/>
-      </p:ext>
-    </p:extLst>
-  </p:cSld>
-  <p:clrMapOvr>
-    <a:masterClrMapping/>
-  </p:clrMapOvr>
-</p:sld>
-</file>
-
-<file path=ppt/slides/slide2.xml><?xml version="1.0" encoding="utf-8"?>
-<p:sld xmlns:a="http://schemas.openxmlformats.org/drawingml/2006/main" xmlns:r="http://schemas.openxmlformats.org/officeDocument/2006/relationships" xmlns:p="http://schemas.openxmlformats.org/presentationml/2006/main">
-  <p:cSld>
-    <p:spTree>
-      <p:nvGrpSpPr>
-        <p:cNvPr id="1" name=""/>
-        <p:cNvGrpSpPr/>
-        <p:nvPr/>
-      </p:nvGrpSpPr>
-      <p:grpSpPr>
-        <a:xfrm>
-          <a:off x="0" y="0"/>
-          <a:ext cx="0" cy="0"/>
-          <a:chOff x="0" y="0"/>
-          <a:chExt cx="0" cy="0"/>
-        </a:xfrm>
-      </p:grpSpPr>
-      <p:sp>
-        <p:nvSpPr>
-          <p:cNvPr id="2" name="Title 1"/>
-          <p:cNvSpPr>
-            <a:spLocks noGrp="1"/>
-          </p:cNvSpPr>
-          <p:nvPr>
-            <p:ph type="title"/>
-          </p:nvPr>
-        </p:nvSpPr>
-        <p:spPr>
-          <a:xfrm>
-            <a:off x="457200" y="2801270"/>
-            <a:ext cx="8229600" cy="1143000"/>
-          </a:xfrm>
-        </p:spPr>
-        <p:txBody>
-          <a:bodyPr/>
-          <a:lstStyle/>
-          <a:p>
-            <a:r>
-              <a:rPr lang="ja-JP" altLang="en-US" dirty="0" smtClean="0"/>
-              <a:t>あなたは今幸せですか？</a:t>
-            </a:r>
-            <a:endParaRPr lang="en-US" dirty="0"/>
-          </a:p>
-        </p:txBody>
-      </p:sp>
-    </p:spTree>
-    <p:extLst>
-      <p:ext uri="{BB962C8B-B14F-4D97-AF65-F5344CB8AC3E}">
-        <p14:creationId xmlns:p14="http://schemas.microsoft.com/office/powerpoint/2010/main" val="3124377868"/>
-      </p:ext>
-    </p:extLst>
-  </p:cSld>
-  <p:clrMapOvr>
-    <a:masterClrMapping/>
-  </p:clrMapOvr>
-</p:sld>
-</file>
-
-<file path=ppt/slides/slide3.xml><?xml version="1.0" encoding="utf-8"?>
-<p:sld xmlns:a="http://schemas.openxmlformats.org/drawingml/2006/main" xmlns:r="http://schemas.openxmlformats.org/officeDocument/2006/relationships" xmlns:p="http://schemas.openxmlformats.org/presentationml/2006/main">
-  <p:cSld>
-    <p:spTree>
-      <p:nvGrpSpPr>
-        <p:cNvPr id="1" name=""/>
-        <p:cNvGrpSpPr/>
-        <p:nvPr/>
-      </p:nvGrpSpPr>
-      <p:grpSpPr>
-        <a:xfrm>
-          <a:off x="0" y="0"/>
-          <a:ext cx="0" cy="0"/>
-          <a:chOff x="0" y="0"/>
-          <a:chExt cx="0" cy="0"/>
-        </a:xfrm>
-      </p:grpSpPr>
-      <p:sp>
-        <p:nvSpPr>
-          <p:cNvPr id="2" name="Title 1"/>
-          <p:cNvSpPr>
-            <a:spLocks noGrp="1"/>
-          </p:cNvSpPr>
-          <p:nvPr>
-            <p:ph type="title"/>
-          </p:nvPr>
-        </p:nvSpPr>
-        <p:spPr>
-          <a:xfrm>
-            <a:off x="457200" y="2801270"/>
-            <a:ext cx="8229600" cy="1143000"/>
-          </a:xfrm>
-        </p:spPr>
-        <p:txBody>
-          <a:bodyPr/>
-          <a:lstStyle/>
-          <a:p>
-            <a:r>
-              <a:rPr lang="ja-JP" altLang="en-US" dirty="0" smtClean="0"/>
-              <a:t>幸せになりたい</a:t>
-            </a:r>
-            <a:endParaRPr lang="en-US" dirty="0"/>
-          </a:p>
-        </p:txBody>
-      </p:sp>
-    </p:spTree>
-    <p:extLst>
-      <p:ext uri="{BB962C8B-B14F-4D97-AF65-F5344CB8AC3E}">
-        <p14:creationId xmlns:p14="http://schemas.microsoft.com/office/powerpoint/2010/main" val="4226202003"/>
-      </p:ext>
-    </p:extLst>
-  </p:cSld>
-  <p:clrMapOvr>
-    <a:masterClrMapping/>
-  </p:clrMapOvr>
-</p:sld>
-</file>
-
-<file path=ppt/slides/slide4.xml><?xml version="1.0" encoding="utf-8"?>
-<p:sld xmlns:a="http://schemas.openxmlformats.org/drawingml/2006/main" xmlns:r="http://schemas.openxmlformats.org/officeDocument/2006/relationships" xmlns:p="http://schemas.openxmlformats.org/presentationml/2006/main">
-  <p:cSld>
-    <p:spTree>
-      <p:nvGrpSpPr>
-        <p:cNvPr id="1" name=""/>
-        <p:cNvGrpSpPr/>
-        <p:nvPr/>
-      </p:nvGrpSpPr>
-      <p:grpSpPr>
-        <a:xfrm>
-          <a:off x="0" y="0"/>
-          <a:ext cx="0" cy="0"/>
-          <a:chOff x="0" y="0"/>
-          <a:chExt cx="0" cy="0"/>
-        </a:xfrm>
-      </p:grpSpPr>
-      <p:sp>
-        <p:nvSpPr>
-          <p:cNvPr id="2" name="Title 1"/>
-          <p:cNvSpPr>
-            <a:spLocks noGrp="1"/>
-          </p:cNvSpPr>
-          <p:nvPr>
-            <p:ph type="title"/>
-          </p:nvPr>
-        </p:nvSpPr>
-        <p:spPr>
-          <a:xfrm>
-            <a:off x="457200" y="2801270"/>
-            <a:ext cx="8229600" cy="1143000"/>
-          </a:xfrm>
-        </p:spPr>
-        <p:txBody>
-          <a:bodyPr/>
-          <a:lstStyle/>
-          <a:p>
-            <a:r>
-              <a:rPr lang="ja-JP" altLang="en-US" dirty="0" smtClean="0"/>
-              <a:t>あなたの友達は幸せですか？</a:t>
-            </a:r>
-            <a:endParaRPr lang="en-US" dirty="0"/>
-          </a:p>
-        </p:txBody>
-      </p:sp>
-    </p:spTree>
-    <p:extLst>
-      <p:ext uri="{BB962C8B-B14F-4D97-AF65-F5344CB8AC3E}">
-        <p14:creationId xmlns:p14="http://schemas.microsoft.com/office/powerpoint/2010/main" val="217600271"/>
-      </p:ext>
-    </p:extLst>
-  </p:cSld>
-  <p:clrMapOvr>
-    <a:masterClrMapping/>
-  </p:clrMapOvr>
-</p:sld>
-</file>
-
-<file path=ppt/slides/slide5.xml><?xml version="1.0" encoding="utf-8"?>
-<p:sld xmlns:a="http://schemas.openxmlformats.org/drawingml/2006/main" xmlns:r="http://schemas.openxmlformats.org/officeDocument/2006/relationships" xmlns:p="http://schemas.openxmlformats.org/presentationml/2006/main">
-  <p:cSld>
-    <p:spTree>
-      <p:nvGrpSpPr>
-        <p:cNvPr id="1" name=""/>
-        <p:cNvGrpSpPr/>
-        <p:nvPr/>
-      </p:nvGrpSpPr>
-      <p:grpSpPr>
-        <a:xfrm>
-          <a:off x="0" y="0"/>
-          <a:ext cx="0" cy="0"/>
-          <a:chOff x="0" y="0"/>
-          <a:chExt cx="0" cy="0"/>
-        </a:xfrm>
-      </p:grpSpPr>
-      <p:sp>
-        <p:nvSpPr>
-          <p:cNvPr id="2" name="Title 1"/>
-          <p:cNvSpPr>
-            <a:spLocks noGrp="1"/>
-          </p:cNvSpPr>
-          <p:nvPr>
-            <p:ph type="title"/>
-          </p:nvPr>
-        </p:nvSpPr>
-        <p:spPr>
-          <a:xfrm>
-            <a:off x="457200" y="2801270"/>
-            <a:ext cx="8229600" cy="1143000"/>
-          </a:xfrm>
-        </p:spPr>
-        <p:txBody>
-          <a:bodyPr/>
-          <a:lstStyle/>
-          <a:p>
-            <a:r>
-              <a:rPr lang="ja-JP" altLang="en-US" dirty="0" smtClean="0"/>
-              <a:t>友達と幸せでいたい</a:t>
-            </a:r>
-            <a:endParaRPr lang="en-US" dirty="0"/>
-          </a:p>
-        </p:txBody>
-      </p:sp>
-    </p:spTree>
-    <p:extLst>
-      <p:ext uri="{BB962C8B-B14F-4D97-AF65-F5344CB8AC3E}">
-        <p14:creationId xmlns:p14="http://schemas.microsoft.com/office/powerpoint/2010/main" val="2996000871"/>
-      </p:ext>
-    </p:extLst>
-  </p:cSld>
-  <p:clrMapOvr>
-    <a:masterClrMapping/>
-  </p:clrMapOvr>
-</p:sld>
-</file>
-
-<file path=ppt/slides/slide6.xml><?xml version="1.0" encoding="utf-8"?>
-<p:sld xmlns:a="http://schemas.openxmlformats.org/drawingml/2006/main" xmlns:r="http://schemas.openxmlformats.org/officeDocument/2006/relationships" xmlns:p="http://schemas.openxmlformats.org/presentationml/2006/main">
-  <p:cSld>
-    <p:spTree>
-      <p:nvGrpSpPr>
-        <p:cNvPr id="1" name=""/>
-        <p:cNvGrpSpPr/>
-        <p:nvPr/>
-      </p:nvGrpSpPr>
-      <p:grpSpPr>
-        <a:xfrm>
-          <a:off x="0" y="0"/>
-          <a:ext cx="0" cy="0"/>
-          <a:chOff x="0" y="0"/>
-          <a:chExt cx="0" cy="0"/>
-        </a:xfrm>
-      </p:grpSpPr>
-      <p:sp>
-        <p:nvSpPr>
-          <p:cNvPr id="2" name="Title 1"/>
-          <p:cNvSpPr>
-            <a:spLocks noGrp="1"/>
-          </p:cNvSpPr>
-          <p:nvPr>
-            <p:ph type="title"/>
-          </p:nvPr>
-        </p:nvSpPr>
-        <p:spPr>
-          <a:xfrm>
-            <a:off x="457200" y="2801270"/>
-            <a:ext cx="8229600" cy="1143000"/>
-          </a:xfrm>
-        </p:spPr>
-        <p:txBody>
-          <a:bodyPr>
-            <a:normAutofit fontScale="90000"/>
-          </a:bodyPr>
-          <a:lstStyle/>
-          <a:p>
-            <a:r>
-              <a:rPr lang="ja-JP" altLang="en-US" dirty="0" smtClean="0"/>
-              <a:t>友達と一緒に幸せになる</a:t>
-            </a:r>
-            <a:r>
-              <a:rPr lang="en-US" altLang="ja-JP" dirty="0" smtClean="0"/>
-              <a:t/>
-            </a:r>
-            <a:br>
-              <a:rPr lang="en-US" altLang="ja-JP" dirty="0" smtClean="0"/>
-            </a:br>
-            <a:r>
-              <a:rPr lang="ja-JP" altLang="en-US" dirty="0" smtClean="0"/>
-              <a:t>サービスできました</a:t>
-            </a:r>
-            <a:endParaRPr lang="en-US" dirty="0"/>
-          </a:p>
-        </p:txBody>
-      </p:sp>
-    </p:spTree>
-    <p:extLst>
-      <p:ext uri="{BB962C8B-B14F-4D97-AF65-F5344CB8AC3E}">
-        <p14:creationId xmlns:p14="http://schemas.microsoft.com/office/powerpoint/2010/main" val="1897635239"/>
-      </p:ext>
-    </p:extLst>
-  </p:cSld>
-  <p:clrMapOvr>
-    <a:masterClrMapping/>
-  </p:clrMapOvr>
-</p:sld>
-</file>
-
-<file path=ppt/slides/slide7.xml><?xml version="1.0" encoding="utf-8"?>
-<p:sld xmlns:a="http://schemas.openxmlformats.org/drawingml/2006/main" xmlns:r="http://schemas.openxmlformats.org/officeDocument/2006/relationships" xmlns:p="http://schemas.openxmlformats.org/presentationml/2006/main">
-  <p:cSld>
-    <p:spTree>
-      <p:nvGrpSpPr>
-        <p:cNvPr id="1" name=""/>
-        <p:cNvGrpSpPr/>
-        <p:nvPr/>
-      </p:nvGrpSpPr>
-      <p:grpSpPr>
-        <a:xfrm>
-          <a:off x="0" y="0"/>
-          <a:ext cx="0" cy="0"/>
-          <a:chOff x="0" y="0"/>
-          <a:chExt cx="0" cy="0"/>
-        </a:xfrm>
-      </p:grpSpPr>
-      <p:pic>
-        <p:nvPicPr>
-          <p:cNvPr id="5" name="Picture 4" descr="スクリーンショット 2014-10-18 17.58.38.png"/>
-          <p:cNvPicPr>
-            <a:picLocks noChangeAspect="1"/>
-          </p:cNvPicPr>
-          <p:nvPr/>
-        </p:nvPicPr>
-        <p:blipFill>
-          <a:blip r:embed="rId2">
-            <a:extLst>
-              <a:ext uri="{28A0092B-C50C-407E-A947-70E740481C1C}">
-                <a14:useLocalDpi xmlns:a14="http://schemas.microsoft.com/office/drawing/2010/main" val="0"/>
-              </a:ext>
-            </a:extLst>
-          </a:blip>
-          <a:stretch>
-            <a:fillRect/>
-          </a:stretch>
-        </p:blipFill>
-        <p:spPr>
-          <a:xfrm>
-            <a:off x="2259722" y="317112"/>
-            <a:ext cx="4592587" cy="5962578"/>
-          </a:xfrm>
-          <a:prstGeom prst="rect">
-            <a:avLst/>
-          </a:prstGeom>
-        </p:spPr>
-      </p:pic>
-      <p:sp>
-        <p:nvSpPr>
-          <p:cNvPr id="6" name="Rectangle 5"/>
-          <p:cNvSpPr/>
-          <p:nvPr/>
-        </p:nvSpPr>
-        <p:spPr>
-          <a:xfrm>
-            <a:off x="2259721" y="689945"/>
-            <a:ext cx="4592587" cy="968673"/>
-          </a:xfrm>
-          <a:prstGeom prst="rect">
-            <a:avLst/>
-          </a:prstGeom>
-          <a:noFill/>
-          <a:ln w="28575" cmpd="sng">
-            <a:solidFill>
-              <a:schemeClr val="accent5">
-                <a:lumMod val="60000"/>
-                <a:lumOff val="40000"/>
-              </a:schemeClr>
-            </a:solidFill>
-          </a:ln>
-          <a:effectLst/>
-        </p:spPr>
-        <p:style>
-          <a:lnRef idx="1">
-            <a:schemeClr val="accent1"/>
-          </a:lnRef>
-          <a:fillRef idx="3">
-            <a:schemeClr val="accent1"/>
-          </a:fillRef>
-          <a:effectRef idx="2">
-            <a:schemeClr val="accent1"/>
-          </a:effectRef>
-          <a:fontRef idx="minor">
-            <a:schemeClr val="lt1"/>
-          </a:fontRef>
-        </p:style>
-        <p:txBody>
-          <a:bodyPr/>
-          <a:lstStyle/>
-          <a:p>
-            <a:endParaRPr lang="en-US" dirty="0"/>
-          </a:p>
-        </p:txBody>
-      </p:sp>
-      <p:sp>
-        <p:nvSpPr>
-          <p:cNvPr id="7" name="Line Callout 1 6"/>
-          <p:cNvSpPr/>
-          <p:nvPr/>
-        </p:nvSpPr>
-        <p:spPr>
-          <a:xfrm>
-            <a:off x="6984752" y="1507765"/>
-            <a:ext cx="2060437" cy="487761"/>
-          </a:xfrm>
-          <a:prstGeom prst="borderCallout1">
-            <a:avLst>
-              <a:gd name="adj1" fmla="val -512"/>
-              <a:gd name="adj2" fmla="val 28215"/>
-              <a:gd name="adj3" fmla="val -31455"/>
-              <a:gd name="adj4" fmla="val -8269"/>
-            </a:avLst>
-          </a:prstGeom>
-          <a:solidFill>
-            <a:schemeClr val="accent5">
-              <a:lumMod val="60000"/>
-              <a:lumOff val="40000"/>
-            </a:schemeClr>
-          </a:solidFill>
-          <a:ln/>
-        </p:spPr>
-        <p:style>
-          <a:lnRef idx="1">
-            <a:schemeClr val="accent1"/>
-          </a:lnRef>
-          <a:fillRef idx="3">
-            <a:schemeClr val="accent1"/>
-          </a:fillRef>
-          <a:effectRef idx="2">
-            <a:schemeClr val="accent1"/>
-          </a:effectRef>
-          <a:fontRef idx="minor">
-            <a:schemeClr val="lt1"/>
-          </a:fontRef>
-        </p:style>
-        <p:txBody>
-          <a:bodyPr/>
-          <a:lstStyle/>
-          <a:p>
-            <a:r>
-              <a:rPr lang="ja-JP" altLang="en-US" dirty="0" smtClean="0">
-                <a:solidFill>
-                  <a:srgbClr val="000000"/>
-                </a:solidFill>
-              </a:rPr>
-              <a:t>ネガティブ</a:t>
-            </a:r>
-            <a:endParaRPr lang="en-US" dirty="0">
-              <a:solidFill>
-                <a:srgbClr val="000000"/>
-              </a:solidFill>
-            </a:endParaRPr>
-          </a:p>
-        </p:txBody>
-      </p:sp>
-      <p:sp>
-        <p:nvSpPr>
-          <p:cNvPr id="9" name="Rectangle 8"/>
-          <p:cNvSpPr/>
-          <p:nvPr/>
-        </p:nvSpPr>
-        <p:spPr>
-          <a:xfrm flipV="1">
-            <a:off x="2256613" y="2902584"/>
-            <a:ext cx="4592587" cy="609104"/>
-          </a:xfrm>
-          <a:prstGeom prst="rect">
-            <a:avLst/>
-          </a:prstGeom>
-          <a:noFill/>
-          <a:ln w="28575" cmpd="sng">
-            <a:solidFill>
-              <a:srgbClr val="FF0000"/>
-            </a:solidFill>
-          </a:ln>
-          <a:effectLst/>
-        </p:spPr>
-        <p:style>
-          <a:lnRef idx="1">
-            <a:schemeClr val="accent1"/>
-          </a:lnRef>
-          <a:fillRef idx="3">
-            <a:schemeClr val="accent1"/>
-          </a:fillRef>
-          <a:effectRef idx="2">
-            <a:schemeClr val="accent1"/>
-          </a:effectRef>
-          <a:fontRef idx="minor">
-            <a:schemeClr val="lt1"/>
-          </a:fontRef>
-        </p:style>
-        <p:txBody>
-          <a:bodyPr/>
-          <a:lstStyle/>
-          <a:p>
-            <a:endParaRPr lang="en-US"/>
-          </a:p>
-        </p:txBody>
-      </p:sp>
-      <p:sp>
-        <p:nvSpPr>
-          <p:cNvPr id="10" name="Line Callout 1 9"/>
-          <p:cNvSpPr/>
-          <p:nvPr/>
-        </p:nvSpPr>
-        <p:spPr>
-          <a:xfrm>
-            <a:off x="79312" y="1995526"/>
-            <a:ext cx="2097756" cy="487761"/>
-          </a:xfrm>
-          <a:prstGeom prst="borderCallout1">
-            <a:avLst>
-              <a:gd name="adj1" fmla="val 95127"/>
-              <a:gd name="adj2" fmla="val 68368"/>
-              <a:gd name="adj3" fmla="val 234207"/>
-              <a:gd name="adj4" fmla="val 101690"/>
-            </a:avLst>
-          </a:prstGeom>
-          <a:solidFill>
-            <a:schemeClr val="accent2">
-              <a:lumMod val="60000"/>
-              <a:lumOff val="40000"/>
-            </a:schemeClr>
-          </a:solidFill>
-          <a:ln>
-            <a:solidFill>
-              <a:srgbClr val="FF0000"/>
-            </a:solidFill>
-          </a:ln>
-        </p:spPr>
-        <p:style>
-          <a:lnRef idx="1">
-            <a:schemeClr val="accent1"/>
-          </a:lnRef>
-          <a:fillRef idx="3">
-            <a:schemeClr val="accent1"/>
-          </a:fillRef>
-          <a:effectRef idx="2">
-            <a:schemeClr val="accent1"/>
-          </a:effectRef>
-          <a:fontRef idx="minor">
-            <a:schemeClr val="lt1"/>
-          </a:fontRef>
-        </p:style>
-        <p:txBody>
-          <a:bodyPr/>
-          <a:lstStyle/>
-          <a:p>
-            <a:r>
-              <a:rPr lang="ja-JP" altLang="en-US" dirty="0" smtClean="0">
-                <a:solidFill>
-                  <a:srgbClr val="000000"/>
-                </a:solidFill>
-              </a:rPr>
-              <a:t>ポジティブ</a:t>
-            </a:r>
-            <a:endParaRPr lang="en-US" dirty="0">
-              <a:solidFill>
-                <a:srgbClr val="000000"/>
-              </a:solidFill>
-            </a:endParaRPr>
-          </a:p>
-        </p:txBody>
-      </p:sp>
-    </p:spTree>
-    <p:extLst>
-      <p:ext uri="{BB962C8B-B14F-4D97-AF65-F5344CB8AC3E}">
-        <p14:creationId xmlns:p14="http://schemas.microsoft.com/office/powerpoint/2010/main" val="3645157586"/>
-      </p:ext>
-    </p:extLst>
-  </p:cSld>
-  <p:clrMapOvr>
-    <a:masterClrMapping/>
-  </p:clrMapOvr>
-</p:sld>
-</file>
-
-<file path=ppt/slides/slide8.xml><?xml version="1.0" encoding="utf-8"?>
-<p:sld xmlns:a="http://schemas.openxmlformats.org/drawingml/2006/main" xmlns:r="http://schemas.openxmlformats.org/officeDocument/2006/relationships" xmlns:p="http://schemas.openxmlformats.org/presentationml/2006/main">
-  <p:cSld>
-    <p:spTree>
-      <p:nvGrpSpPr>
-        <p:cNvPr id="1" name=""/>
-        <p:cNvGrpSpPr/>
-        <p:nvPr/>
-      </p:nvGrpSpPr>
-      <p:grpSpPr>
-        <a:xfrm>
-          <a:off x="0" y="0"/>
-          <a:ext cx="0" cy="0"/>
-          <a:chOff x="0" y="0"/>
-          <a:chExt cx="0" cy="0"/>
-        </a:xfrm>
-      </p:grpSpPr>
-      <p:sp>
-        <p:nvSpPr>
-          <p:cNvPr id="2" name="Title 1"/>
-          <p:cNvSpPr>
-            <a:spLocks noGrp="1"/>
-          </p:cNvSpPr>
-          <p:nvPr>
-            <p:ph type="title"/>
-          </p:nvPr>
-        </p:nvSpPr>
-        <p:spPr/>
-        <p:txBody>
           <a:bodyPr>
             <a:normAutofit/>
           </a:bodyPr>
@@ -4883,7 +4316,7 @@
 </p:sld>
 </file>
 
-<file path=ppt/slides/slide9.xml><?xml version="1.0" encoding="utf-8"?>
+<file path=ppt/slides/slide11.xml><?xml version="1.0" encoding="utf-8"?>
 <p:sld xmlns:a="http://schemas.openxmlformats.org/drawingml/2006/main" xmlns:r="http://schemas.openxmlformats.org/officeDocument/2006/relationships" xmlns:p="http://schemas.openxmlformats.org/presentationml/2006/main">
   <p:cSld>
     <p:spTree>
@@ -5120,6 +4553,920 @@
     <p:extLst>
       <p:ext uri="{BB962C8B-B14F-4D97-AF65-F5344CB8AC3E}">
         <p14:creationId xmlns:p14="http://schemas.microsoft.com/office/powerpoint/2010/main" val="3781619486"/>
+      </p:ext>
+    </p:extLst>
+  </p:cSld>
+  <p:clrMapOvr>
+    <a:masterClrMapping/>
+  </p:clrMapOvr>
+</p:sld>
+</file>
+
+<file path=ppt/slides/slide12.xml><?xml version="1.0" encoding="utf-8"?>
+<p:sld xmlns:a="http://schemas.openxmlformats.org/drawingml/2006/main" xmlns:r="http://schemas.openxmlformats.org/officeDocument/2006/relationships" xmlns:p="http://schemas.openxmlformats.org/presentationml/2006/main">
+  <p:cSld>
+    <p:spTree>
+      <p:nvGrpSpPr>
+        <p:cNvPr id="1" name=""/>
+        <p:cNvGrpSpPr/>
+        <p:nvPr/>
+      </p:nvGrpSpPr>
+      <p:grpSpPr>
+        <a:xfrm>
+          <a:off x="0" y="0"/>
+          <a:ext cx="0" cy="0"/>
+          <a:chOff x="0" y="0"/>
+          <a:chExt cx="0" cy="0"/>
+        </a:xfrm>
+      </p:grpSpPr>
+      <p:sp>
+        <p:nvSpPr>
+          <p:cNvPr id="2" name="Title 1"/>
+          <p:cNvSpPr>
+            <a:spLocks noGrp="1"/>
+          </p:cNvSpPr>
+          <p:nvPr>
+            <p:ph type="title"/>
+          </p:nvPr>
+        </p:nvSpPr>
+        <p:spPr/>
+        <p:txBody>
+          <a:bodyPr/>
+          <a:lstStyle/>
+          <a:p>
+            <a:endParaRPr lang="en-US" dirty="0"/>
+          </a:p>
+        </p:txBody>
+      </p:sp>
+      <p:sp>
+        <p:nvSpPr>
+          <p:cNvPr id="3" name="Content Placeholder 2"/>
+          <p:cNvSpPr>
+            <a:spLocks noGrp="1"/>
+          </p:cNvSpPr>
+          <p:nvPr>
+            <p:ph idx="1"/>
+          </p:nvPr>
+        </p:nvSpPr>
+        <p:spPr>
+          <a:xfrm>
+            <a:off x="457200" y="1600200"/>
+            <a:ext cx="3245853" cy="4525963"/>
+          </a:xfrm>
+        </p:spPr>
+        <p:txBody>
+          <a:bodyPr/>
+          <a:lstStyle/>
+          <a:p>
+            <a:endParaRPr lang="en-US" dirty="0"/>
+          </a:p>
+        </p:txBody>
+      </p:sp>
+      <p:pic>
+        <p:nvPicPr>
+          <p:cNvPr id="4" name="Picture 3" descr="スクリーンショット 2014-10-18 17.36.58.png"/>
+          <p:cNvPicPr>
+            <a:picLocks noChangeAspect="1"/>
+          </p:cNvPicPr>
+          <p:nvPr/>
+        </p:nvPicPr>
+        <p:blipFill>
+          <a:blip r:embed="rId2">
+            <a:extLst>
+              <a:ext uri="{28A0092B-C50C-407E-A947-70E740481C1C}">
+                <a14:useLocalDpi xmlns:a14="http://schemas.microsoft.com/office/drawing/2010/main" val="0"/>
+              </a:ext>
+            </a:extLst>
+          </a:blip>
+          <a:stretch>
+            <a:fillRect/>
+          </a:stretch>
+        </p:blipFill>
+        <p:spPr>
+          <a:xfrm>
+            <a:off x="5176079" y="1600200"/>
+            <a:ext cx="2798507" cy="5257800"/>
+          </a:xfrm>
+          <a:prstGeom prst="rect">
+            <a:avLst/>
+          </a:prstGeom>
+        </p:spPr>
+      </p:pic>
+    </p:spTree>
+    <p:extLst>
+      <p:ext uri="{BB962C8B-B14F-4D97-AF65-F5344CB8AC3E}">
+        <p14:creationId xmlns:p14="http://schemas.microsoft.com/office/powerpoint/2010/main" val="1651218405"/>
+      </p:ext>
+    </p:extLst>
+  </p:cSld>
+  <p:clrMapOvr>
+    <a:masterClrMapping/>
+  </p:clrMapOvr>
+</p:sld>
+</file>
+
+<file path=ppt/slides/slide13.xml><?xml version="1.0" encoding="utf-8"?>
+<p:sld xmlns:a="http://schemas.openxmlformats.org/drawingml/2006/main" xmlns:r="http://schemas.openxmlformats.org/officeDocument/2006/relationships" xmlns:p="http://schemas.openxmlformats.org/presentationml/2006/main">
+  <p:cSld>
+    <p:spTree>
+      <p:nvGrpSpPr>
+        <p:cNvPr id="1" name=""/>
+        <p:cNvGrpSpPr/>
+        <p:nvPr/>
+      </p:nvGrpSpPr>
+      <p:grpSpPr>
+        <a:xfrm>
+          <a:off x="0" y="0"/>
+          <a:ext cx="0" cy="0"/>
+          <a:chOff x="0" y="0"/>
+          <a:chExt cx="0" cy="0"/>
+        </a:xfrm>
+      </p:grpSpPr>
+      <p:sp>
+        <p:nvSpPr>
+          <p:cNvPr id="2" name="Title 1"/>
+          <p:cNvSpPr>
+            <a:spLocks noGrp="1"/>
+          </p:cNvSpPr>
+          <p:nvPr>
+            <p:ph type="title"/>
+          </p:nvPr>
+        </p:nvSpPr>
+        <p:spPr/>
+        <p:txBody>
+          <a:bodyPr/>
+          <a:lstStyle/>
+          <a:p>
+            <a:endParaRPr lang="en-US"/>
+          </a:p>
+        </p:txBody>
+      </p:sp>
+      <p:sp>
+        <p:nvSpPr>
+          <p:cNvPr id="3" name="Content Placeholder 2"/>
+          <p:cNvSpPr>
+            <a:spLocks noGrp="1"/>
+          </p:cNvSpPr>
+          <p:nvPr>
+            <p:ph idx="1"/>
+          </p:nvPr>
+        </p:nvSpPr>
+        <p:spPr/>
+        <p:txBody>
+          <a:bodyPr/>
+          <a:lstStyle/>
+          <a:p>
+            <a:endParaRPr lang="en-US"/>
+          </a:p>
+        </p:txBody>
+      </p:sp>
+    </p:spTree>
+    <p:extLst>
+      <p:ext uri="{BB962C8B-B14F-4D97-AF65-F5344CB8AC3E}">
+        <p14:creationId xmlns:p14="http://schemas.microsoft.com/office/powerpoint/2010/main" val="3764474240"/>
+      </p:ext>
+    </p:extLst>
+  </p:cSld>
+  <p:clrMapOvr>
+    <a:masterClrMapping/>
+  </p:clrMapOvr>
+</p:sld>
+</file>
+
+<file path=ppt/slides/slide2.xml><?xml version="1.0" encoding="utf-8"?>
+<p:sld xmlns:a="http://schemas.openxmlformats.org/drawingml/2006/main" xmlns:r="http://schemas.openxmlformats.org/officeDocument/2006/relationships" xmlns:p="http://schemas.openxmlformats.org/presentationml/2006/main">
+  <p:cSld>
+    <p:spTree>
+      <p:nvGrpSpPr>
+        <p:cNvPr id="1" name=""/>
+        <p:cNvGrpSpPr/>
+        <p:nvPr/>
+      </p:nvGrpSpPr>
+      <p:grpSpPr>
+        <a:xfrm>
+          <a:off x="0" y="0"/>
+          <a:ext cx="0" cy="0"/>
+          <a:chOff x="0" y="0"/>
+          <a:chExt cx="0" cy="0"/>
+        </a:xfrm>
+      </p:grpSpPr>
+      <p:sp>
+        <p:nvSpPr>
+          <p:cNvPr id="2" name="Title 1"/>
+          <p:cNvSpPr>
+            <a:spLocks noGrp="1"/>
+          </p:cNvSpPr>
+          <p:nvPr>
+            <p:ph type="title"/>
+          </p:nvPr>
+        </p:nvSpPr>
+        <p:spPr>
+          <a:xfrm>
+            <a:off x="457200" y="2801270"/>
+            <a:ext cx="8229600" cy="1143000"/>
+          </a:xfrm>
+        </p:spPr>
+        <p:txBody>
+          <a:bodyPr/>
+          <a:lstStyle/>
+          <a:p>
+            <a:r>
+              <a:rPr lang="ja-JP" altLang="en-US" dirty="0" smtClean="0"/>
+              <a:t>あなたは今幸せですか？</a:t>
+            </a:r>
+            <a:endParaRPr lang="en-US" dirty="0"/>
+          </a:p>
+        </p:txBody>
+      </p:sp>
+    </p:spTree>
+    <p:extLst>
+      <p:ext uri="{BB962C8B-B14F-4D97-AF65-F5344CB8AC3E}">
+        <p14:creationId xmlns:p14="http://schemas.microsoft.com/office/powerpoint/2010/main" val="3124377868"/>
+      </p:ext>
+    </p:extLst>
+  </p:cSld>
+  <p:clrMapOvr>
+    <a:masterClrMapping/>
+  </p:clrMapOvr>
+</p:sld>
+</file>
+
+<file path=ppt/slides/slide3.xml><?xml version="1.0" encoding="utf-8"?>
+<p:sld xmlns:a="http://schemas.openxmlformats.org/drawingml/2006/main" xmlns:r="http://schemas.openxmlformats.org/officeDocument/2006/relationships" xmlns:p="http://schemas.openxmlformats.org/presentationml/2006/main">
+  <p:cSld>
+    <p:spTree>
+      <p:nvGrpSpPr>
+        <p:cNvPr id="1" name=""/>
+        <p:cNvGrpSpPr/>
+        <p:nvPr/>
+      </p:nvGrpSpPr>
+      <p:grpSpPr>
+        <a:xfrm>
+          <a:off x="0" y="0"/>
+          <a:ext cx="0" cy="0"/>
+          <a:chOff x="0" y="0"/>
+          <a:chExt cx="0" cy="0"/>
+        </a:xfrm>
+      </p:grpSpPr>
+      <p:sp>
+        <p:nvSpPr>
+          <p:cNvPr id="2" name="Title 1"/>
+          <p:cNvSpPr>
+            <a:spLocks noGrp="1"/>
+          </p:cNvSpPr>
+          <p:nvPr>
+            <p:ph type="title"/>
+          </p:nvPr>
+        </p:nvSpPr>
+        <p:spPr>
+          <a:xfrm>
+            <a:off x="457200" y="2801270"/>
+            <a:ext cx="8229600" cy="1143000"/>
+          </a:xfrm>
+        </p:spPr>
+        <p:txBody>
+          <a:bodyPr/>
+          <a:lstStyle/>
+          <a:p>
+            <a:r>
+              <a:rPr lang="ja-JP" altLang="en-US" dirty="0" smtClean="0"/>
+              <a:t>幸せになりたい</a:t>
+            </a:r>
+            <a:endParaRPr lang="en-US" dirty="0"/>
+          </a:p>
+        </p:txBody>
+      </p:sp>
+    </p:spTree>
+    <p:extLst>
+      <p:ext uri="{BB962C8B-B14F-4D97-AF65-F5344CB8AC3E}">
+        <p14:creationId xmlns:p14="http://schemas.microsoft.com/office/powerpoint/2010/main" val="4226202003"/>
+      </p:ext>
+    </p:extLst>
+  </p:cSld>
+  <p:clrMapOvr>
+    <a:masterClrMapping/>
+  </p:clrMapOvr>
+</p:sld>
+</file>
+
+<file path=ppt/slides/slide4.xml><?xml version="1.0" encoding="utf-8"?>
+<p:sld xmlns:a="http://schemas.openxmlformats.org/drawingml/2006/main" xmlns:r="http://schemas.openxmlformats.org/officeDocument/2006/relationships" xmlns:p="http://schemas.openxmlformats.org/presentationml/2006/main">
+  <p:cSld>
+    <p:spTree>
+      <p:nvGrpSpPr>
+        <p:cNvPr id="1" name=""/>
+        <p:cNvGrpSpPr/>
+        <p:nvPr/>
+      </p:nvGrpSpPr>
+      <p:grpSpPr>
+        <a:xfrm>
+          <a:off x="0" y="0"/>
+          <a:ext cx="0" cy="0"/>
+          <a:chOff x="0" y="0"/>
+          <a:chExt cx="0" cy="0"/>
+        </a:xfrm>
+      </p:grpSpPr>
+      <p:sp>
+        <p:nvSpPr>
+          <p:cNvPr id="2" name="Title 1"/>
+          <p:cNvSpPr>
+            <a:spLocks noGrp="1"/>
+          </p:cNvSpPr>
+          <p:nvPr>
+            <p:ph type="title"/>
+          </p:nvPr>
+        </p:nvSpPr>
+        <p:spPr>
+          <a:xfrm>
+            <a:off x="457200" y="2801270"/>
+            <a:ext cx="8229600" cy="1143000"/>
+          </a:xfrm>
+        </p:spPr>
+        <p:txBody>
+          <a:bodyPr/>
+          <a:lstStyle/>
+          <a:p>
+            <a:r>
+              <a:rPr lang="ja-JP" altLang="en-US" dirty="0" smtClean="0"/>
+              <a:t>あなたの友達は幸せですか？</a:t>
+            </a:r>
+            <a:endParaRPr lang="en-US" dirty="0"/>
+          </a:p>
+        </p:txBody>
+      </p:sp>
+    </p:spTree>
+    <p:extLst>
+      <p:ext uri="{BB962C8B-B14F-4D97-AF65-F5344CB8AC3E}">
+        <p14:creationId xmlns:p14="http://schemas.microsoft.com/office/powerpoint/2010/main" val="217600271"/>
+      </p:ext>
+    </p:extLst>
+  </p:cSld>
+  <p:clrMapOvr>
+    <a:masterClrMapping/>
+  </p:clrMapOvr>
+</p:sld>
+</file>
+
+<file path=ppt/slides/slide5.xml><?xml version="1.0" encoding="utf-8"?>
+<p:sld xmlns:a="http://schemas.openxmlformats.org/drawingml/2006/main" xmlns:r="http://schemas.openxmlformats.org/officeDocument/2006/relationships" xmlns:p="http://schemas.openxmlformats.org/presentationml/2006/main">
+  <p:cSld>
+    <p:spTree>
+      <p:nvGrpSpPr>
+        <p:cNvPr id="1" name=""/>
+        <p:cNvGrpSpPr/>
+        <p:nvPr/>
+      </p:nvGrpSpPr>
+      <p:grpSpPr>
+        <a:xfrm>
+          <a:off x="0" y="0"/>
+          <a:ext cx="0" cy="0"/>
+          <a:chOff x="0" y="0"/>
+          <a:chExt cx="0" cy="0"/>
+        </a:xfrm>
+      </p:grpSpPr>
+      <p:sp>
+        <p:nvSpPr>
+          <p:cNvPr id="2" name="Title 1"/>
+          <p:cNvSpPr>
+            <a:spLocks noGrp="1"/>
+          </p:cNvSpPr>
+          <p:nvPr>
+            <p:ph type="title"/>
+          </p:nvPr>
+        </p:nvSpPr>
+        <p:spPr>
+          <a:xfrm>
+            <a:off x="457200" y="2801270"/>
+            <a:ext cx="8229600" cy="1143000"/>
+          </a:xfrm>
+        </p:spPr>
+        <p:txBody>
+          <a:bodyPr/>
+          <a:lstStyle/>
+          <a:p>
+            <a:r>
+              <a:rPr lang="ja-JP" altLang="en-US" dirty="0" smtClean="0"/>
+              <a:t>友達と幸せでいたい</a:t>
+            </a:r>
+            <a:endParaRPr lang="en-US" dirty="0"/>
+          </a:p>
+        </p:txBody>
+      </p:sp>
+    </p:spTree>
+    <p:extLst>
+      <p:ext uri="{BB962C8B-B14F-4D97-AF65-F5344CB8AC3E}">
+        <p14:creationId xmlns:p14="http://schemas.microsoft.com/office/powerpoint/2010/main" val="2996000871"/>
+      </p:ext>
+    </p:extLst>
+  </p:cSld>
+  <p:clrMapOvr>
+    <a:masterClrMapping/>
+  </p:clrMapOvr>
+</p:sld>
+</file>
+
+<file path=ppt/slides/slide6.xml><?xml version="1.0" encoding="utf-8"?>
+<p:sld xmlns:a="http://schemas.openxmlformats.org/drawingml/2006/main" xmlns:r="http://schemas.openxmlformats.org/officeDocument/2006/relationships" xmlns:p="http://schemas.openxmlformats.org/presentationml/2006/main">
+  <p:cSld>
+    <p:spTree>
+      <p:nvGrpSpPr>
+        <p:cNvPr id="1" name=""/>
+        <p:cNvGrpSpPr/>
+        <p:nvPr/>
+      </p:nvGrpSpPr>
+      <p:grpSpPr>
+        <a:xfrm>
+          <a:off x="0" y="0"/>
+          <a:ext cx="0" cy="0"/>
+          <a:chOff x="0" y="0"/>
+          <a:chExt cx="0" cy="0"/>
+        </a:xfrm>
+      </p:grpSpPr>
+      <p:sp>
+        <p:nvSpPr>
+          <p:cNvPr id="2" name="Title 1"/>
+          <p:cNvSpPr>
+            <a:spLocks noGrp="1"/>
+          </p:cNvSpPr>
+          <p:nvPr>
+            <p:ph type="title"/>
+          </p:nvPr>
+        </p:nvSpPr>
+        <p:spPr>
+          <a:xfrm>
+            <a:off x="353518" y="1976345"/>
+            <a:ext cx="5381327" cy="2999387"/>
+          </a:xfrm>
+        </p:spPr>
+        <p:txBody>
+          <a:bodyPr>
+            <a:normAutofit/>
+          </a:bodyPr>
+          <a:lstStyle/>
+          <a:p>
+            <a:r>
+              <a:rPr lang="ja-JP" altLang="en-US" dirty="0" smtClean="0"/>
+              <a:t>では、こちらの壺を</a:t>
+            </a:r>
+            <a:r>
+              <a:rPr lang="en-US" altLang="ja-JP" dirty="0" smtClean="0"/>
+              <a:t/>
+            </a:r>
+            <a:br>
+              <a:rPr lang="en-US" altLang="ja-JP" dirty="0" smtClean="0"/>
+            </a:br>
+            <a:r>
+              <a:rPr lang="en-US" altLang="ja-JP" dirty="0" smtClean="0"/>
+              <a:t>20</a:t>
+            </a:r>
+            <a:r>
+              <a:rPr lang="ja-JP" altLang="en-US" dirty="0" smtClean="0"/>
+              <a:t>万円でお譲りします</a:t>
+            </a:r>
+            <a:endParaRPr lang="en-US" dirty="0"/>
+          </a:p>
+        </p:txBody>
+      </p:sp>
+      <p:pic>
+        <p:nvPicPr>
+          <p:cNvPr id="3" name="Picture 2" descr="tubo.jpg"/>
+          <p:cNvPicPr>
+            <a:picLocks noChangeAspect="1"/>
+          </p:cNvPicPr>
+          <p:nvPr/>
+        </p:nvPicPr>
+        <p:blipFill>
+          <a:blip r:embed="rId3">
+            <a:extLst>
+              <a:ext uri="{28A0092B-C50C-407E-A947-70E740481C1C}">
+                <a14:useLocalDpi xmlns:a14="http://schemas.microsoft.com/office/drawing/2010/main" val="0"/>
+              </a:ext>
+            </a:extLst>
+          </a:blip>
+          <a:stretch>
+            <a:fillRect/>
+          </a:stretch>
+        </p:blipFill>
+        <p:spPr>
+          <a:xfrm>
+            <a:off x="6024412" y="1505815"/>
+            <a:ext cx="2607258" cy="3983890"/>
+          </a:xfrm>
+          <a:prstGeom prst="rect">
+            <a:avLst/>
+          </a:prstGeom>
+        </p:spPr>
+      </p:pic>
+    </p:spTree>
+    <p:extLst>
+      <p:ext uri="{BB962C8B-B14F-4D97-AF65-F5344CB8AC3E}">
+        <p14:creationId xmlns:p14="http://schemas.microsoft.com/office/powerpoint/2010/main" val="3449457957"/>
+      </p:ext>
+    </p:extLst>
+  </p:cSld>
+  <p:clrMapOvr>
+    <a:masterClrMapping/>
+  </p:clrMapOvr>
+</p:sld>
+</file>
+
+<file path=ppt/slides/slide7.xml><?xml version="1.0" encoding="utf-8"?>
+<p:sld xmlns:a="http://schemas.openxmlformats.org/drawingml/2006/main" xmlns:r="http://schemas.openxmlformats.org/officeDocument/2006/relationships" xmlns:p="http://schemas.openxmlformats.org/presentationml/2006/main">
+  <p:cSld>
+    <p:spTree>
+      <p:nvGrpSpPr>
+        <p:cNvPr id="1" name=""/>
+        <p:cNvGrpSpPr/>
+        <p:nvPr/>
+      </p:nvGrpSpPr>
+      <p:grpSpPr>
+        <a:xfrm>
+          <a:off x="0" y="0"/>
+          <a:ext cx="0" cy="0"/>
+          <a:chOff x="0" y="0"/>
+          <a:chExt cx="0" cy="0"/>
+        </a:xfrm>
+      </p:grpSpPr>
+      <p:sp>
+        <p:nvSpPr>
+          <p:cNvPr id="2" name="Title 1"/>
+          <p:cNvSpPr>
+            <a:spLocks noGrp="1"/>
+          </p:cNvSpPr>
+          <p:nvPr>
+            <p:ph type="title"/>
+          </p:nvPr>
+        </p:nvSpPr>
+        <p:spPr>
+          <a:xfrm>
+            <a:off x="457200" y="2801270"/>
+            <a:ext cx="8229600" cy="1143000"/>
+          </a:xfrm>
+        </p:spPr>
+        <p:txBody>
+          <a:bodyPr/>
+          <a:lstStyle/>
+          <a:p>
+            <a:r>
+              <a:rPr lang="ja-JP" altLang="en-US" dirty="0" smtClean="0"/>
+              <a:t>ウソです。ごめんなさい。</a:t>
+            </a:r>
+            <a:endParaRPr lang="en-US" dirty="0"/>
+          </a:p>
+        </p:txBody>
+      </p:sp>
+    </p:spTree>
+    <p:extLst>
+      <p:ext uri="{BB962C8B-B14F-4D97-AF65-F5344CB8AC3E}">
+        <p14:creationId xmlns:p14="http://schemas.microsoft.com/office/powerpoint/2010/main" val="2417874687"/>
+      </p:ext>
+    </p:extLst>
+  </p:cSld>
+  <p:clrMapOvr>
+    <a:masterClrMapping/>
+  </p:clrMapOvr>
+</p:sld>
+</file>
+
+<file path=ppt/slides/slide8.xml><?xml version="1.0" encoding="utf-8"?>
+<p:sld xmlns:a="http://schemas.openxmlformats.org/drawingml/2006/main" xmlns:r="http://schemas.openxmlformats.org/officeDocument/2006/relationships" xmlns:p="http://schemas.openxmlformats.org/presentationml/2006/main">
+  <p:cSld>
+    <p:spTree>
+      <p:nvGrpSpPr>
+        <p:cNvPr id="1" name=""/>
+        <p:cNvGrpSpPr/>
+        <p:nvPr/>
+      </p:nvGrpSpPr>
+      <p:grpSpPr>
+        <a:xfrm>
+          <a:off x="0" y="0"/>
+          <a:ext cx="0" cy="0"/>
+          <a:chOff x="0" y="0"/>
+          <a:chExt cx="0" cy="0"/>
+        </a:xfrm>
+      </p:grpSpPr>
+      <p:sp>
+        <p:nvSpPr>
+          <p:cNvPr id="2" name="Title 1"/>
+          <p:cNvSpPr>
+            <a:spLocks noGrp="1"/>
+          </p:cNvSpPr>
+          <p:nvPr>
+            <p:ph type="title"/>
+          </p:nvPr>
+        </p:nvSpPr>
+        <p:spPr>
+          <a:xfrm>
+            <a:off x="457200" y="2801270"/>
+            <a:ext cx="8229600" cy="1143000"/>
+          </a:xfrm>
+        </p:spPr>
+        <p:txBody>
+          <a:bodyPr>
+            <a:normAutofit fontScale="90000"/>
+          </a:bodyPr>
+          <a:lstStyle/>
+          <a:p>
+            <a:r>
+              <a:rPr lang="ja-JP" altLang="en-US" dirty="0" smtClean="0"/>
+              <a:t>友達と一緒に幸せになる</a:t>
+            </a:r>
+            <a:r>
+              <a:rPr lang="en-US" altLang="ja-JP" dirty="0" smtClean="0"/>
+              <a:t/>
+            </a:r>
+            <a:br>
+              <a:rPr lang="en-US" altLang="ja-JP" dirty="0" smtClean="0"/>
+            </a:br>
+            <a:r>
+              <a:rPr lang="ja-JP" altLang="en-US" dirty="0" smtClean="0"/>
+              <a:t>サービスできました</a:t>
+            </a:r>
+            <a:endParaRPr lang="en-US" dirty="0"/>
+          </a:p>
+        </p:txBody>
+      </p:sp>
+    </p:spTree>
+    <p:extLst>
+      <p:ext uri="{BB962C8B-B14F-4D97-AF65-F5344CB8AC3E}">
+        <p14:creationId xmlns:p14="http://schemas.microsoft.com/office/powerpoint/2010/main" val="1897635239"/>
+      </p:ext>
+    </p:extLst>
+  </p:cSld>
+  <p:clrMapOvr>
+    <a:masterClrMapping/>
+  </p:clrMapOvr>
+</p:sld>
+</file>
+
+<file path=ppt/slides/slide9.xml><?xml version="1.0" encoding="utf-8"?>
+<p:sld xmlns:a="http://schemas.openxmlformats.org/drawingml/2006/main" xmlns:r="http://schemas.openxmlformats.org/officeDocument/2006/relationships" xmlns:p="http://schemas.openxmlformats.org/presentationml/2006/main">
+  <p:cSld>
+    <p:spTree>
+      <p:nvGrpSpPr>
+        <p:cNvPr id="1" name=""/>
+        <p:cNvGrpSpPr/>
+        <p:nvPr/>
+      </p:nvGrpSpPr>
+      <p:grpSpPr>
+        <a:xfrm>
+          <a:off x="0" y="0"/>
+          <a:ext cx="0" cy="0"/>
+          <a:chOff x="0" y="0"/>
+          <a:chExt cx="0" cy="0"/>
+        </a:xfrm>
+      </p:grpSpPr>
+      <p:pic>
+        <p:nvPicPr>
+          <p:cNvPr id="5" name="Picture 4" descr="スクリーンショット 2014-10-18 17.58.38.png"/>
+          <p:cNvPicPr>
+            <a:picLocks noChangeAspect="1"/>
+          </p:cNvPicPr>
+          <p:nvPr/>
+        </p:nvPicPr>
+        <p:blipFill>
+          <a:blip r:embed="rId2">
+            <a:extLst>
+              <a:ext uri="{28A0092B-C50C-407E-A947-70E740481C1C}">
+                <a14:useLocalDpi xmlns:a14="http://schemas.microsoft.com/office/drawing/2010/main" val="0"/>
+              </a:ext>
+            </a:extLst>
+          </a:blip>
+          <a:stretch>
+            <a:fillRect/>
+          </a:stretch>
+        </p:blipFill>
+        <p:spPr>
+          <a:xfrm>
+            <a:off x="2259722" y="317112"/>
+            <a:ext cx="4592587" cy="5962578"/>
+          </a:xfrm>
+          <a:prstGeom prst="rect">
+            <a:avLst/>
+          </a:prstGeom>
+        </p:spPr>
+      </p:pic>
+      <p:sp>
+        <p:nvSpPr>
+          <p:cNvPr id="6" name="Rectangle 5"/>
+          <p:cNvSpPr/>
+          <p:nvPr/>
+        </p:nvSpPr>
+        <p:spPr>
+          <a:xfrm>
+            <a:off x="2259721" y="689945"/>
+            <a:ext cx="4592587" cy="968673"/>
+          </a:xfrm>
+          <a:prstGeom prst="rect">
+            <a:avLst/>
+          </a:prstGeom>
+          <a:noFill/>
+          <a:ln w="28575" cmpd="sng">
+            <a:solidFill>
+              <a:schemeClr val="accent5">
+                <a:lumMod val="60000"/>
+                <a:lumOff val="40000"/>
+              </a:schemeClr>
+            </a:solidFill>
+          </a:ln>
+          <a:effectLst/>
+        </p:spPr>
+        <p:style>
+          <a:lnRef idx="1">
+            <a:schemeClr val="accent1"/>
+          </a:lnRef>
+          <a:fillRef idx="3">
+            <a:schemeClr val="accent1"/>
+          </a:fillRef>
+          <a:effectRef idx="2">
+            <a:schemeClr val="accent1"/>
+          </a:effectRef>
+          <a:fontRef idx="minor">
+            <a:schemeClr val="lt1"/>
+          </a:fontRef>
+        </p:style>
+        <p:txBody>
+          <a:bodyPr/>
+          <a:lstStyle/>
+          <a:p>
+            <a:endParaRPr lang="en-US" dirty="0"/>
+          </a:p>
+        </p:txBody>
+      </p:sp>
+      <p:sp>
+        <p:nvSpPr>
+          <p:cNvPr id="7" name="Line Callout 1 6"/>
+          <p:cNvSpPr/>
+          <p:nvPr/>
+        </p:nvSpPr>
+        <p:spPr>
+          <a:xfrm>
+            <a:off x="6984752" y="1507765"/>
+            <a:ext cx="2060437" cy="487761"/>
+          </a:xfrm>
+          <a:prstGeom prst="borderCallout1">
+            <a:avLst>
+              <a:gd name="adj1" fmla="val -512"/>
+              <a:gd name="adj2" fmla="val 28215"/>
+              <a:gd name="adj3" fmla="val -31455"/>
+              <a:gd name="adj4" fmla="val -8269"/>
+            </a:avLst>
+          </a:prstGeom>
+          <a:solidFill>
+            <a:schemeClr val="accent5">
+              <a:lumMod val="60000"/>
+              <a:lumOff val="40000"/>
+            </a:schemeClr>
+          </a:solidFill>
+          <a:ln/>
+        </p:spPr>
+        <p:style>
+          <a:lnRef idx="1">
+            <a:schemeClr val="accent1"/>
+          </a:lnRef>
+          <a:fillRef idx="3">
+            <a:schemeClr val="accent1"/>
+          </a:fillRef>
+          <a:effectRef idx="2">
+            <a:schemeClr val="accent1"/>
+          </a:effectRef>
+          <a:fontRef idx="minor">
+            <a:schemeClr val="lt1"/>
+          </a:fontRef>
+        </p:style>
+        <p:txBody>
+          <a:bodyPr/>
+          <a:lstStyle/>
+          <a:p>
+            <a:r>
+              <a:rPr lang="ja-JP" altLang="en-US" dirty="0" smtClean="0">
+                <a:solidFill>
+                  <a:srgbClr val="000000"/>
+                </a:solidFill>
+              </a:rPr>
+              <a:t>ネガティブ</a:t>
+            </a:r>
+            <a:endParaRPr lang="en-US" dirty="0">
+              <a:solidFill>
+                <a:srgbClr val="000000"/>
+              </a:solidFill>
+            </a:endParaRPr>
+          </a:p>
+        </p:txBody>
+      </p:sp>
+      <p:sp>
+        <p:nvSpPr>
+          <p:cNvPr id="9" name="Rectangle 8"/>
+          <p:cNvSpPr/>
+          <p:nvPr/>
+        </p:nvSpPr>
+        <p:spPr>
+          <a:xfrm flipV="1">
+            <a:off x="2256613" y="2902584"/>
+            <a:ext cx="4592587" cy="609104"/>
+          </a:xfrm>
+          <a:prstGeom prst="rect">
+            <a:avLst/>
+          </a:prstGeom>
+          <a:noFill/>
+          <a:ln w="28575" cmpd="sng">
+            <a:solidFill>
+              <a:srgbClr val="FF0000"/>
+            </a:solidFill>
+          </a:ln>
+          <a:effectLst/>
+        </p:spPr>
+        <p:style>
+          <a:lnRef idx="1">
+            <a:schemeClr val="accent1"/>
+          </a:lnRef>
+          <a:fillRef idx="3">
+            <a:schemeClr val="accent1"/>
+          </a:fillRef>
+          <a:effectRef idx="2">
+            <a:schemeClr val="accent1"/>
+          </a:effectRef>
+          <a:fontRef idx="minor">
+            <a:schemeClr val="lt1"/>
+          </a:fontRef>
+        </p:style>
+        <p:txBody>
+          <a:bodyPr/>
+          <a:lstStyle/>
+          <a:p>
+            <a:endParaRPr lang="en-US"/>
+          </a:p>
+        </p:txBody>
+      </p:sp>
+      <p:sp>
+        <p:nvSpPr>
+          <p:cNvPr id="10" name="Line Callout 1 9"/>
+          <p:cNvSpPr/>
+          <p:nvPr/>
+        </p:nvSpPr>
+        <p:spPr>
+          <a:xfrm>
+            <a:off x="79312" y="1995526"/>
+            <a:ext cx="2097756" cy="487761"/>
+          </a:xfrm>
+          <a:prstGeom prst="borderCallout1">
+            <a:avLst>
+              <a:gd name="adj1" fmla="val 95127"/>
+              <a:gd name="adj2" fmla="val 68368"/>
+              <a:gd name="adj3" fmla="val 234207"/>
+              <a:gd name="adj4" fmla="val 101690"/>
+            </a:avLst>
+          </a:prstGeom>
+          <a:solidFill>
+            <a:schemeClr val="accent2">
+              <a:lumMod val="60000"/>
+              <a:lumOff val="40000"/>
+            </a:schemeClr>
+          </a:solidFill>
+          <a:ln>
+            <a:solidFill>
+              <a:srgbClr val="FF0000"/>
+            </a:solidFill>
+          </a:ln>
+        </p:spPr>
+        <p:style>
+          <a:lnRef idx="1">
+            <a:schemeClr val="accent1"/>
+          </a:lnRef>
+          <a:fillRef idx="3">
+            <a:schemeClr val="accent1"/>
+          </a:fillRef>
+          <a:effectRef idx="2">
+            <a:schemeClr val="accent1"/>
+          </a:effectRef>
+          <a:fontRef idx="minor">
+            <a:schemeClr val="lt1"/>
+          </a:fontRef>
+        </p:style>
+        <p:txBody>
+          <a:bodyPr/>
+          <a:lstStyle/>
+          <a:p>
+            <a:r>
+              <a:rPr lang="ja-JP" altLang="en-US" dirty="0" smtClean="0">
+                <a:solidFill>
+                  <a:srgbClr val="000000"/>
+                </a:solidFill>
+              </a:rPr>
+              <a:t>ポジティブ</a:t>
+            </a:r>
+            <a:endParaRPr lang="en-US" dirty="0">
+              <a:solidFill>
+                <a:srgbClr val="000000"/>
+              </a:solidFill>
+            </a:endParaRPr>
+          </a:p>
+        </p:txBody>
+      </p:sp>
+    </p:spTree>
+    <p:extLst>
+      <p:ext uri="{BB962C8B-B14F-4D97-AF65-F5344CB8AC3E}">
+        <p14:creationId xmlns:p14="http://schemas.microsoft.com/office/powerpoint/2010/main" val="3645157586"/>
       </p:ext>
     </p:extLst>
   </p:cSld>

--- a/doc/ポジネガフレンズ_発表用.pptx
+++ b/doc/ポジネガフレンズ_発表用.pptx
@@ -5,7 +5,7 @@
     <p:sldMasterId id="2147483648" r:id="rId1"/>
   </p:sldMasterIdLst>
   <p:notesMasterIdLst>
-    <p:notesMasterId r:id="rId15"/>
+    <p:notesMasterId r:id="rId20"/>
   </p:notesMasterIdLst>
   <p:sldIdLst>
     <p:sldId id="256" r:id="rId2"/>
@@ -15,12 +15,17 @@
     <p:sldId id="263" r:id="rId6"/>
     <p:sldId id="267" r:id="rId7"/>
     <p:sldId id="268" r:id="rId8"/>
-    <p:sldId id="264" r:id="rId9"/>
-    <p:sldId id="265" r:id="rId10"/>
-    <p:sldId id="261" r:id="rId11"/>
-    <p:sldId id="266" r:id="rId12"/>
-    <p:sldId id="257" r:id="rId13"/>
-    <p:sldId id="258" r:id="rId14"/>
+    <p:sldId id="269" r:id="rId9"/>
+    <p:sldId id="264" r:id="rId10"/>
+    <p:sldId id="257" r:id="rId11"/>
+    <p:sldId id="270" r:id="rId12"/>
+    <p:sldId id="265" r:id="rId13"/>
+    <p:sldId id="273" r:id="rId14"/>
+    <p:sldId id="261" r:id="rId15"/>
+    <p:sldId id="266" r:id="rId16"/>
+    <p:sldId id="272" r:id="rId17"/>
+    <p:sldId id="274" r:id="rId18"/>
+    <p:sldId id="275" r:id="rId19"/>
   </p:sldIdLst>
   <p:sldSz cx="9144000" cy="6858000" type="screen4x3"/>
   <p:notesSz cx="6858000" cy="9144000"/>
@@ -563,6 +568,188 @@
 </p:notes>
 </file>
 
+<file path=ppt/notesSlides/notesSlide10.xml><?xml version="1.0" encoding="utf-8"?>
+<p:notes xmlns:a="http://schemas.openxmlformats.org/drawingml/2006/main" xmlns:r="http://schemas.openxmlformats.org/officeDocument/2006/relationships" xmlns:p="http://schemas.openxmlformats.org/presentationml/2006/main">
+  <p:cSld>
+    <p:spTree>
+      <p:nvGrpSpPr>
+        <p:cNvPr id="1" name=""/>
+        <p:cNvGrpSpPr/>
+        <p:nvPr/>
+      </p:nvGrpSpPr>
+      <p:grpSpPr>
+        <a:xfrm>
+          <a:off x="0" y="0"/>
+          <a:ext cx="0" cy="0"/>
+          <a:chOff x="0" y="0"/>
+          <a:chExt cx="0" cy="0"/>
+        </a:xfrm>
+      </p:grpSpPr>
+      <p:sp>
+        <p:nvSpPr>
+          <p:cNvPr id="2" name="Slide Image Placeholder 1"/>
+          <p:cNvSpPr>
+            <a:spLocks noGrp="1" noRot="1" noChangeAspect="1"/>
+          </p:cNvSpPr>
+          <p:nvPr>
+            <p:ph type="sldImg"/>
+          </p:nvPr>
+        </p:nvSpPr>
+        <p:spPr/>
+      </p:sp>
+      <p:sp>
+        <p:nvSpPr>
+          <p:cNvPr id="3" name="Notes Placeholder 2"/>
+          <p:cNvSpPr>
+            <a:spLocks noGrp="1"/>
+          </p:cNvSpPr>
+          <p:nvPr>
+            <p:ph type="body" idx="1"/>
+          </p:nvPr>
+        </p:nvSpPr>
+        <p:spPr/>
+        <p:txBody>
+          <a:bodyPr/>
+          <a:lstStyle/>
+          <a:p>
+            <a:r>
+              <a:rPr lang="ja-JP" altLang="en-US" dirty="0" smtClean="0"/>
+              <a:t>幸せになりたいですよね？</a:t>
+            </a:r>
+            <a:endParaRPr lang="en-US" altLang="ja-JP" dirty="0" smtClean="0"/>
+          </a:p>
+          <a:p>
+            <a:endParaRPr lang="en-US" dirty="0"/>
+          </a:p>
+        </p:txBody>
+      </p:sp>
+      <p:sp>
+        <p:nvSpPr>
+          <p:cNvPr id="4" name="Slide Number Placeholder 3"/>
+          <p:cNvSpPr>
+            <a:spLocks noGrp="1"/>
+          </p:cNvSpPr>
+          <p:nvPr>
+            <p:ph type="sldNum" sz="quarter" idx="10"/>
+          </p:nvPr>
+        </p:nvSpPr>
+        <p:spPr/>
+        <p:txBody>
+          <a:bodyPr/>
+          <a:lstStyle/>
+          <a:p>
+            <a:fld id="{8EDD8C47-74A9-3F42-A440-EDBE846ECD32}" type="slidenum">
+              <a:rPr lang="en-US" smtClean="0"/>
+              <a:t>17</a:t>
+            </a:fld>
+            <a:endParaRPr lang="en-US"/>
+          </a:p>
+        </p:txBody>
+      </p:sp>
+    </p:spTree>
+    <p:extLst>
+      <p:ext uri="{BB962C8B-B14F-4D97-AF65-F5344CB8AC3E}">
+        <p14:creationId xmlns:p14="http://schemas.microsoft.com/office/powerpoint/2010/main" val="3391488750"/>
+      </p:ext>
+    </p:extLst>
+  </p:cSld>
+  <p:clrMapOvr>
+    <a:masterClrMapping/>
+  </p:clrMapOvr>
+</p:notes>
+</file>
+
+<file path=ppt/notesSlides/notesSlide11.xml><?xml version="1.0" encoding="utf-8"?>
+<p:notes xmlns:a="http://schemas.openxmlformats.org/drawingml/2006/main" xmlns:r="http://schemas.openxmlformats.org/officeDocument/2006/relationships" xmlns:p="http://schemas.openxmlformats.org/presentationml/2006/main">
+  <p:cSld>
+    <p:spTree>
+      <p:nvGrpSpPr>
+        <p:cNvPr id="1" name=""/>
+        <p:cNvGrpSpPr/>
+        <p:nvPr/>
+      </p:nvGrpSpPr>
+      <p:grpSpPr>
+        <a:xfrm>
+          <a:off x="0" y="0"/>
+          <a:ext cx="0" cy="0"/>
+          <a:chOff x="0" y="0"/>
+          <a:chExt cx="0" cy="0"/>
+        </a:xfrm>
+      </p:grpSpPr>
+      <p:sp>
+        <p:nvSpPr>
+          <p:cNvPr id="2" name="Slide Image Placeholder 1"/>
+          <p:cNvSpPr>
+            <a:spLocks noGrp="1" noRot="1" noChangeAspect="1"/>
+          </p:cNvSpPr>
+          <p:nvPr>
+            <p:ph type="sldImg"/>
+          </p:nvPr>
+        </p:nvSpPr>
+        <p:spPr/>
+      </p:sp>
+      <p:sp>
+        <p:nvSpPr>
+          <p:cNvPr id="3" name="Notes Placeholder 2"/>
+          <p:cNvSpPr>
+            <a:spLocks noGrp="1"/>
+          </p:cNvSpPr>
+          <p:nvPr>
+            <p:ph type="body" idx="1"/>
+          </p:nvPr>
+        </p:nvSpPr>
+        <p:spPr/>
+        <p:txBody>
+          <a:bodyPr/>
+          <a:lstStyle/>
+          <a:p>
+            <a:r>
+              <a:rPr lang="ja-JP" altLang="en-US" dirty="0" smtClean="0"/>
+              <a:t>幸せになりたいですよね？</a:t>
+            </a:r>
+            <a:endParaRPr lang="en-US" altLang="ja-JP" dirty="0" smtClean="0"/>
+          </a:p>
+          <a:p>
+            <a:endParaRPr lang="en-US" dirty="0"/>
+          </a:p>
+        </p:txBody>
+      </p:sp>
+      <p:sp>
+        <p:nvSpPr>
+          <p:cNvPr id="4" name="Slide Number Placeholder 3"/>
+          <p:cNvSpPr>
+            <a:spLocks noGrp="1"/>
+          </p:cNvSpPr>
+          <p:nvPr>
+            <p:ph type="sldNum" sz="quarter" idx="10"/>
+          </p:nvPr>
+        </p:nvSpPr>
+        <p:spPr/>
+        <p:txBody>
+          <a:bodyPr/>
+          <a:lstStyle/>
+          <a:p>
+            <a:fld id="{8EDD8C47-74A9-3F42-A440-EDBE846ECD32}" type="slidenum">
+              <a:rPr lang="en-US" smtClean="0"/>
+              <a:t>18</a:t>
+            </a:fld>
+            <a:endParaRPr lang="en-US"/>
+          </a:p>
+        </p:txBody>
+      </p:sp>
+    </p:spTree>
+    <p:extLst>
+      <p:ext uri="{BB962C8B-B14F-4D97-AF65-F5344CB8AC3E}">
+        <p14:creationId xmlns:p14="http://schemas.microsoft.com/office/powerpoint/2010/main" val="3391488750"/>
+      </p:ext>
+    </p:extLst>
+  </p:cSld>
+  <p:clrMapOvr>
+    <a:masterClrMapping/>
+  </p:clrMapOvr>
+</p:notes>
+</file>
+
 <file path=ppt/notesSlides/notesSlide2.xml><?xml version="1.0" encoding="utf-8"?>
 <p:notes xmlns:a="http://schemas.openxmlformats.org/drawingml/2006/main" xmlns:r="http://schemas.openxmlformats.org/officeDocument/2006/relationships" xmlns:p="http://schemas.openxmlformats.org/presentationml/2006/main">
   <p:cSld>
@@ -1000,6 +1187,279 @@
             <a:fld id="{8EDD8C47-74A9-3F42-A440-EDBE846ECD32}" type="slidenum">
               <a:rPr lang="en-US" smtClean="0"/>
               <a:t>8</a:t>
+            </a:fld>
+            <a:endParaRPr lang="en-US"/>
+          </a:p>
+        </p:txBody>
+      </p:sp>
+    </p:spTree>
+    <p:extLst>
+      <p:ext uri="{BB962C8B-B14F-4D97-AF65-F5344CB8AC3E}">
+        <p14:creationId xmlns:p14="http://schemas.microsoft.com/office/powerpoint/2010/main" val="3391488750"/>
+      </p:ext>
+    </p:extLst>
+  </p:cSld>
+  <p:clrMapOvr>
+    <a:masterClrMapping/>
+  </p:clrMapOvr>
+</p:notes>
+</file>
+
+<file path=ppt/notesSlides/notesSlide7.xml><?xml version="1.0" encoding="utf-8"?>
+<p:notes xmlns:a="http://schemas.openxmlformats.org/drawingml/2006/main" xmlns:r="http://schemas.openxmlformats.org/officeDocument/2006/relationships" xmlns:p="http://schemas.openxmlformats.org/presentationml/2006/main">
+  <p:cSld>
+    <p:spTree>
+      <p:nvGrpSpPr>
+        <p:cNvPr id="1" name=""/>
+        <p:cNvGrpSpPr/>
+        <p:nvPr/>
+      </p:nvGrpSpPr>
+      <p:grpSpPr>
+        <a:xfrm>
+          <a:off x="0" y="0"/>
+          <a:ext cx="0" cy="0"/>
+          <a:chOff x="0" y="0"/>
+          <a:chExt cx="0" cy="0"/>
+        </a:xfrm>
+      </p:grpSpPr>
+      <p:sp>
+        <p:nvSpPr>
+          <p:cNvPr id="2" name="Slide Image Placeholder 1"/>
+          <p:cNvSpPr>
+            <a:spLocks noGrp="1" noRot="1" noChangeAspect="1"/>
+          </p:cNvSpPr>
+          <p:nvPr>
+            <p:ph type="sldImg"/>
+          </p:nvPr>
+        </p:nvSpPr>
+        <p:spPr/>
+      </p:sp>
+      <p:sp>
+        <p:nvSpPr>
+          <p:cNvPr id="3" name="Notes Placeholder 2"/>
+          <p:cNvSpPr>
+            <a:spLocks noGrp="1"/>
+          </p:cNvSpPr>
+          <p:nvPr>
+            <p:ph type="body" idx="1"/>
+          </p:nvPr>
+        </p:nvSpPr>
+        <p:spPr/>
+        <p:txBody>
+          <a:bodyPr/>
+          <a:lstStyle/>
+          <a:p>
+            <a:r>
+              <a:rPr lang="ja-JP" altLang="en-US" dirty="0" smtClean="0"/>
+              <a:t>幸せになりたいですよね？</a:t>
+            </a:r>
+            <a:endParaRPr lang="en-US" altLang="ja-JP" dirty="0" smtClean="0"/>
+          </a:p>
+          <a:p>
+            <a:endParaRPr lang="en-US" dirty="0"/>
+          </a:p>
+        </p:txBody>
+      </p:sp>
+      <p:sp>
+        <p:nvSpPr>
+          <p:cNvPr id="4" name="Slide Number Placeholder 3"/>
+          <p:cNvSpPr>
+            <a:spLocks noGrp="1"/>
+          </p:cNvSpPr>
+          <p:nvPr>
+            <p:ph type="sldNum" sz="quarter" idx="10"/>
+          </p:nvPr>
+        </p:nvSpPr>
+        <p:spPr/>
+        <p:txBody>
+          <a:bodyPr/>
+          <a:lstStyle/>
+          <a:p>
+            <a:fld id="{8EDD8C47-74A9-3F42-A440-EDBE846ECD32}" type="slidenum">
+              <a:rPr lang="en-US" smtClean="0"/>
+              <a:t>9</a:t>
+            </a:fld>
+            <a:endParaRPr lang="en-US"/>
+          </a:p>
+        </p:txBody>
+      </p:sp>
+    </p:spTree>
+    <p:extLst>
+      <p:ext uri="{BB962C8B-B14F-4D97-AF65-F5344CB8AC3E}">
+        <p14:creationId xmlns:p14="http://schemas.microsoft.com/office/powerpoint/2010/main" val="3391488750"/>
+      </p:ext>
+    </p:extLst>
+  </p:cSld>
+  <p:clrMapOvr>
+    <a:masterClrMapping/>
+  </p:clrMapOvr>
+</p:notes>
+</file>
+
+<file path=ppt/notesSlides/notesSlide8.xml><?xml version="1.0" encoding="utf-8"?>
+<p:notes xmlns:a="http://schemas.openxmlformats.org/drawingml/2006/main" xmlns:r="http://schemas.openxmlformats.org/officeDocument/2006/relationships" xmlns:p="http://schemas.openxmlformats.org/presentationml/2006/main">
+  <p:cSld>
+    <p:spTree>
+      <p:nvGrpSpPr>
+        <p:cNvPr id="1" name=""/>
+        <p:cNvGrpSpPr/>
+        <p:nvPr/>
+      </p:nvGrpSpPr>
+      <p:grpSpPr>
+        <a:xfrm>
+          <a:off x="0" y="0"/>
+          <a:ext cx="0" cy="0"/>
+          <a:chOff x="0" y="0"/>
+          <a:chExt cx="0" cy="0"/>
+        </a:xfrm>
+      </p:grpSpPr>
+      <p:sp>
+        <p:nvSpPr>
+          <p:cNvPr id="2" name="Slide Image Placeholder 1"/>
+          <p:cNvSpPr>
+            <a:spLocks noGrp="1" noRot="1" noChangeAspect="1"/>
+          </p:cNvSpPr>
+          <p:nvPr>
+            <p:ph type="sldImg"/>
+          </p:nvPr>
+        </p:nvSpPr>
+        <p:spPr/>
+      </p:sp>
+      <p:sp>
+        <p:nvSpPr>
+          <p:cNvPr id="3" name="Notes Placeholder 2"/>
+          <p:cNvSpPr>
+            <a:spLocks noGrp="1"/>
+          </p:cNvSpPr>
+          <p:nvPr>
+            <p:ph type="body" idx="1"/>
+          </p:nvPr>
+        </p:nvSpPr>
+        <p:spPr/>
+        <p:txBody>
+          <a:bodyPr/>
+          <a:lstStyle/>
+          <a:p>
+            <a:r>
+              <a:rPr lang="ja-JP" altLang="en-US" dirty="0" smtClean="0"/>
+              <a:t>幸せになりたいですよね？</a:t>
+            </a:r>
+            <a:endParaRPr lang="en-US" altLang="ja-JP" dirty="0" smtClean="0"/>
+          </a:p>
+          <a:p>
+            <a:endParaRPr lang="en-US" dirty="0"/>
+          </a:p>
+        </p:txBody>
+      </p:sp>
+      <p:sp>
+        <p:nvSpPr>
+          <p:cNvPr id="4" name="Slide Number Placeholder 3"/>
+          <p:cNvSpPr>
+            <a:spLocks noGrp="1"/>
+          </p:cNvSpPr>
+          <p:nvPr>
+            <p:ph type="sldNum" sz="quarter" idx="10"/>
+          </p:nvPr>
+        </p:nvSpPr>
+        <p:spPr/>
+        <p:txBody>
+          <a:bodyPr/>
+          <a:lstStyle/>
+          <a:p>
+            <a:fld id="{8EDD8C47-74A9-3F42-A440-EDBE846ECD32}" type="slidenum">
+              <a:rPr lang="en-US" smtClean="0"/>
+              <a:t>11</a:t>
+            </a:fld>
+            <a:endParaRPr lang="en-US"/>
+          </a:p>
+        </p:txBody>
+      </p:sp>
+    </p:spTree>
+    <p:extLst>
+      <p:ext uri="{BB962C8B-B14F-4D97-AF65-F5344CB8AC3E}">
+        <p14:creationId xmlns:p14="http://schemas.microsoft.com/office/powerpoint/2010/main" val="3391488750"/>
+      </p:ext>
+    </p:extLst>
+  </p:cSld>
+  <p:clrMapOvr>
+    <a:masterClrMapping/>
+  </p:clrMapOvr>
+</p:notes>
+</file>
+
+<file path=ppt/notesSlides/notesSlide9.xml><?xml version="1.0" encoding="utf-8"?>
+<p:notes xmlns:a="http://schemas.openxmlformats.org/drawingml/2006/main" xmlns:r="http://schemas.openxmlformats.org/officeDocument/2006/relationships" xmlns:p="http://schemas.openxmlformats.org/presentationml/2006/main">
+  <p:cSld>
+    <p:spTree>
+      <p:nvGrpSpPr>
+        <p:cNvPr id="1" name=""/>
+        <p:cNvGrpSpPr/>
+        <p:nvPr/>
+      </p:nvGrpSpPr>
+      <p:grpSpPr>
+        <a:xfrm>
+          <a:off x="0" y="0"/>
+          <a:ext cx="0" cy="0"/>
+          <a:chOff x="0" y="0"/>
+          <a:chExt cx="0" cy="0"/>
+        </a:xfrm>
+      </p:grpSpPr>
+      <p:sp>
+        <p:nvSpPr>
+          <p:cNvPr id="2" name="Slide Image Placeholder 1"/>
+          <p:cNvSpPr>
+            <a:spLocks noGrp="1" noRot="1" noChangeAspect="1"/>
+          </p:cNvSpPr>
+          <p:nvPr>
+            <p:ph type="sldImg"/>
+          </p:nvPr>
+        </p:nvSpPr>
+        <p:spPr/>
+      </p:sp>
+      <p:sp>
+        <p:nvSpPr>
+          <p:cNvPr id="3" name="Notes Placeholder 2"/>
+          <p:cNvSpPr>
+            <a:spLocks noGrp="1"/>
+          </p:cNvSpPr>
+          <p:nvPr>
+            <p:ph type="body" idx="1"/>
+          </p:nvPr>
+        </p:nvSpPr>
+        <p:spPr/>
+        <p:txBody>
+          <a:bodyPr/>
+          <a:lstStyle/>
+          <a:p>
+            <a:r>
+              <a:rPr lang="ja-JP" altLang="en-US" dirty="0" smtClean="0"/>
+              <a:t>幸せになりたいですよね？</a:t>
+            </a:r>
+            <a:endParaRPr lang="en-US" altLang="ja-JP" dirty="0" smtClean="0"/>
+          </a:p>
+          <a:p>
+            <a:endParaRPr lang="en-US" dirty="0"/>
+          </a:p>
+        </p:txBody>
+      </p:sp>
+      <p:sp>
+        <p:nvSpPr>
+          <p:cNvPr id="4" name="Slide Number Placeholder 3"/>
+          <p:cNvSpPr>
+            <a:spLocks noGrp="1"/>
+          </p:cNvSpPr>
+          <p:nvPr>
+            <p:ph type="sldNum" sz="quarter" idx="10"/>
+          </p:nvPr>
+        </p:nvSpPr>
+        <p:spPr/>
+        <p:txBody>
+          <a:bodyPr/>
+          <a:lstStyle/>
+          <a:p>
+            <a:fld id="{8EDD8C47-74A9-3F42-A440-EDBE846ECD32}" type="slidenum">
+              <a:rPr lang="en-US" smtClean="0"/>
+              <a:t>16</a:t>
             </a:fld>
             <a:endParaRPr lang="en-US"/>
           </a:p>
@@ -4059,7 +4519,7 @@
             <a:pPr algn="r"/>
             <a:r>
               <a:rPr lang="ja-JP" altLang="en-US" dirty="0" smtClean="0"/>
-              <a:t>はらださん</a:t>
+              <a:t>くにきやさん</a:t>
             </a:r>
             <a:endParaRPr lang="en-US" dirty="0"/>
           </a:p>
@@ -4079,6 +4539,748 @@
 </file>
 
 <file path=ppt/slides/slide10.xml><?xml version="1.0" encoding="utf-8"?>
+<p:sld xmlns:a="http://schemas.openxmlformats.org/drawingml/2006/main" xmlns:r="http://schemas.openxmlformats.org/officeDocument/2006/relationships" xmlns:p="http://schemas.openxmlformats.org/presentationml/2006/main">
+  <p:cSld>
+    <p:spTree>
+      <p:nvGrpSpPr>
+        <p:cNvPr id="1" name=""/>
+        <p:cNvGrpSpPr/>
+        <p:nvPr/>
+      </p:nvGrpSpPr>
+      <p:grpSpPr>
+        <a:xfrm>
+          <a:off x="0" y="0"/>
+          <a:ext cx="0" cy="0"/>
+          <a:chOff x="0" y="0"/>
+          <a:chExt cx="0" cy="0"/>
+        </a:xfrm>
+      </p:grpSpPr>
+      <p:sp>
+        <p:nvSpPr>
+          <p:cNvPr id="2" name="Title 1"/>
+          <p:cNvSpPr>
+            <a:spLocks noGrp="1"/>
+          </p:cNvSpPr>
+          <p:nvPr>
+            <p:ph type="title"/>
+          </p:nvPr>
+        </p:nvSpPr>
+        <p:spPr>
+          <a:xfrm>
+            <a:off x="0" y="1600200"/>
+            <a:ext cx="5176079" cy="2799395"/>
+          </a:xfrm>
+        </p:spPr>
+        <p:txBody>
+          <a:bodyPr>
+            <a:normAutofit/>
+          </a:bodyPr>
+          <a:lstStyle/>
+          <a:p>
+            <a:r>
+              <a:rPr lang="ja-JP" altLang="en-US" sz="5300" dirty="0" smtClean="0"/>
+              <a:t>ポジネガフレンズ</a:t>
+            </a:r>
+            <a:r>
+              <a:rPr lang="en-US" altLang="ja-JP" dirty="0" smtClean="0"/>
+              <a:t/>
+            </a:r>
+            <a:br>
+              <a:rPr lang="en-US" altLang="ja-JP" dirty="0" smtClean="0"/>
+            </a:br>
+            <a:r>
+              <a:rPr lang="en-US" altLang="ja-JP" dirty="0"/>
+              <a:t/>
+            </a:r>
+            <a:br>
+              <a:rPr lang="en-US" altLang="ja-JP" dirty="0"/>
+            </a:br>
+            <a:r>
+              <a:rPr lang="en-US" altLang="ja-JP" sz="2700" dirty="0" smtClean="0"/>
+              <a:t>〜</a:t>
+            </a:r>
+            <a:r>
+              <a:rPr lang="ja-JP" altLang="en-US" sz="2700" dirty="0" smtClean="0"/>
+              <a:t>友達と共に幸せになる未来</a:t>
+            </a:r>
+            <a:r>
+              <a:rPr lang="en-US" altLang="ja-JP" sz="2700" dirty="0" smtClean="0"/>
+              <a:t>〜</a:t>
+            </a:r>
+            <a:endParaRPr lang="en-US" sz="2700" dirty="0"/>
+          </a:p>
+        </p:txBody>
+      </p:sp>
+      <p:pic>
+        <p:nvPicPr>
+          <p:cNvPr id="4" name="Picture 3" descr="スクリーンショット 2014-10-18 17.36.58.png"/>
+          <p:cNvPicPr>
+            <a:picLocks noChangeAspect="1"/>
+          </p:cNvPicPr>
+          <p:nvPr/>
+        </p:nvPicPr>
+        <p:blipFill>
+          <a:blip r:embed="rId2">
+            <a:extLst>
+              <a:ext uri="{28A0092B-C50C-407E-A947-70E740481C1C}">
+                <a14:useLocalDpi xmlns:a14="http://schemas.microsoft.com/office/drawing/2010/main" val="0"/>
+              </a:ext>
+            </a:extLst>
+          </a:blip>
+          <a:stretch>
+            <a:fillRect/>
+          </a:stretch>
+        </p:blipFill>
+        <p:spPr>
+          <a:xfrm>
+            <a:off x="5320102" y="174927"/>
+            <a:ext cx="3557120" cy="6683073"/>
+          </a:xfrm>
+          <a:prstGeom prst="rect">
+            <a:avLst/>
+          </a:prstGeom>
+        </p:spPr>
+      </p:pic>
+      <p:pic>
+        <p:nvPicPr>
+          <p:cNvPr id="5" name="Picture 4" descr="QRcode.gif"/>
+          <p:cNvPicPr>
+            <a:picLocks noChangeAspect="1"/>
+          </p:cNvPicPr>
+          <p:nvPr/>
+        </p:nvPicPr>
+        <p:blipFill>
+          <a:blip r:embed="rId3">
+            <a:extLst>
+              <a:ext uri="{28A0092B-C50C-407E-A947-70E740481C1C}">
+                <a14:useLocalDpi xmlns:a14="http://schemas.microsoft.com/office/drawing/2010/main" val="0"/>
+              </a:ext>
+            </a:extLst>
+          </a:blip>
+          <a:stretch>
+            <a:fillRect/>
+          </a:stretch>
+        </p:blipFill>
+        <p:spPr>
+          <a:xfrm>
+            <a:off x="318787" y="4482751"/>
+            <a:ext cx="2116562" cy="2116562"/>
+          </a:xfrm>
+          <a:prstGeom prst="rect">
+            <a:avLst/>
+          </a:prstGeom>
+        </p:spPr>
+      </p:pic>
+      <p:sp>
+        <p:nvSpPr>
+          <p:cNvPr id="6" name="TextBox 5"/>
+          <p:cNvSpPr txBox="1"/>
+          <p:nvPr/>
+        </p:nvSpPr>
+        <p:spPr>
+          <a:xfrm>
+            <a:off x="2435349" y="6257980"/>
+            <a:ext cx="3090003" cy="415498"/>
+          </a:xfrm>
+          <a:prstGeom prst="rect">
+            <a:avLst/>
+          </a:prstGeom>
+          <a:noFill/>
+        </p:spPr>
+        <p:txBody>
+          <a:bodyPr wrap="square" rtlCol="0">
+            <a:spAutoFit/>
+          </a:bodyPr>
+          <a:lstStyle/>
+          <a:p>
+            <a:r>
+              <a:rPr lang="en-US" sz="2100" dirty="0" smtClean="0"/>
+              <a:t>http://</a:t>
+            </a:r>
+            <a:r>
+              <a:rPr lang="en-US" sz="2100" dirty="0" err="1" smtClean="0"/>
+              <a:t>posnegf.kunikiya.jp</a:t>
+            </a:r>
+            <a:endParaRPr lang="en-US" sz="2100" dirty="0"/>
+          </a:p>
+        </p:txBody>
+      </p:sp>
+    </p:spTree>
+    <p:extLst>
+      <p:ext uri="{BB962C8B-B14F-4D97-AF65-F5344CB8AC3E}">
+        <p14:creationId xmlns:p14="http://schemas.microsoft.com/office/powerpoint/2010/main" val="1651218405"/>
+      </p:ext>
+    </p:extLst>
+  </p:cSld>
+  <p:clrMapOvr>
+    <a:masterClrMapping/>
+  </p:clrMapOvr>
+</p:sld>
+</file>
+
+<file path=ppt/slides/slide11.xml><?xml version="1.0" encoding="utf-8"?>
+<p:sld xmlns:a="http://schemas.openxmlformats.org/drawingml/2006/main" xmlns:r="http://schemas.openxmlformats.org/officeDocument/2006/relationships" xmlns:p="http://schemas.openxmlformats.org/presentationml/2006/main">
+  <p:cSld>
+    <p:spTree>
+      <p:nvGrpSpPr>
+        <p:cNvPr id="1" name=""/>
+        <p:cNvGrpSpPr/>
+        <p:nvPr/>
+      </p:nvGrpSpPr>
+      <p:grpSpPr>
+        <a:xfrm>
+          <a:off x="0" y="0"/>
+          <a:ext cx="0" cy="0"/>
+          <a:chOff x="0" y="0"/>
+          <a:chExt cx="0" cy="0"/>
+        </a:xfrm>
+      </p:grpSpPr>
+      <p:sp>
+        <p:nvSpPr>
+          <p:cNvPr id="2" name="Title 1"/>
+          <p:cNvSpPr>
+            <a:spLocks noGrp="1"/>
+          </p:cNvSpPr>
+          <p:nvPr>
+            <p:ph type="title"/>
+          </p:nvPr>
+        </p:nvSpPr>
+        <p:spPr>
+          <a:xfrm>
+            <a:off x="457200" y="1086805"/>
+            <a:ext cx="8229600" cy="4072244"/>
+          </a:xfrm>
+        </p:spPr>
+        <p:txBody>
+          <a:bodyPr>
+            <a:normAutofit/>
+          </a:bodyPr>
+          <a:lstStyle/>
+          <a:p>
+            <a:r>
+              <a:rPr lang="en-US" dirty="0" smtClean="0"/>
+              <a:t>DEMO</a:t>
+            </a:r>
+            <a:endParaRPr lang="en-US" dirty="0"/>
+          </a:p>
+        </p:txBody>
+      </p:sp>
+    </p:spTree>
+    <p:extLst>
+      <p:ext uri="{BB962C8B-B14F-4D97-AF65-F5344CB8AC3E}">
+        <p14:creationId xmlns:p14="http://schemas.microsoft.com/office/powerpoint/2010/main" val="678600519"/>
+      </p:ext>
+    </p:extLst>
+  </p:cSld>
+  <p:clrMapOvr>
+    <a:masterClrMapping/>
+  </p:clrMapOvr>
+</p:sld>
+</file>
+
+<file path=ppt/slides/slide12.xml><?xml version="1.0" encoding="utf-8"?>
+<p:sld xmlns:a="http://schemas.openxmlformats.org/drawingml/2006/main" xmlns:r="http://schemas.openxmlformats.org/officeDocument/2006/relationships" xmlns:p="http://schemas.openxmlformats.org/presentationml/2006/main">
+  <p:cSld>
+    <p:spTree>
+      <p:nvGrpSpPr>
+        <p:cNvPr id="1" name=""/>
+        <p:cNvGrpSpPr/>
+        <p:nvPr/>
+      </p:nvGrpSpPr>
+      <p:grpSpPr>
+        <a:xfrm>
+          <a:off x="0" y="0"/>
+          <a:ext cx="0" cy="0"/>
+          <a:chOff x="0" y="0"/>
+          <a:chExt cx="0" cy="0"/>
+        </a:xfrm>
+      </p:grpSpPr>
+      <p:pic>
+        <p:nvPicPr>
+          <p:cNvPr id="5" name="Picture 4" descr="スクリーンショット 2014-10-18 17.58.38.png"/>
+          <p:cNvPicPr>
+            <a:picLocks noChangeAspect="1"/>
+          </p:cNvPicPr>
+          <p:nvPr/>
+        </p:nvPicPr>
+        <p:blipFill>
+          <a:blip r:embed="rId2">
+            <a:extLst>
+              <a:ext uri="{28A0092B-C50C-407E-A947-70E740481C1C}">
+                <a14:useLocalDpi xmlns:a14="http://schemas.microsoft.com/office/drawing/2010/main" val="0"/>
+              </a:ext>
+            </a:extLst>
+          </a:blip>
+          <a:stretch>
+            <a:fillRect/>
+          </a:stretch>
+        </p:blipFill>
+        <p:spPr>
+          <a:xfrm>
+            <a:off x="2259722" y="317112"/>
+            <a:ext cx="4592587" cy="5962578"/>
+          </a:xfrm>
+          <a:prstGeom prst="rect">
+            <a:avLst/>
+          </a:prstGeom>
+        </p:spPr>
+      </p:pic>
+      <p:sp>
+        <p:nvSpPr>
+          <p:cNvPr id="6" name="Rectangle 5"/>
+          <p:cNvSpPr/>
+          <p:nvPr/>
+        </p:nvSpPr>
+        <p:spPr>
+          <a:xfrm>
+            <a:off x="2259721" y="689945"/>
+            <a:ext cx="4592587" cy="968673"/>
+          </a:xfrm>
+          <a:prstGeom prst="rect">
+            <a:avLst/>
+          </a:prstGeom>
+          <a:noFill/>
+          <a:ln w="28575" cmpd="sng">
+            <a:solidFill>
+              <a:schemeClr val="accent5">
+                <a:lumMod val="60000"/>
+                <a:lumOff val="40000"/>
+              </a:schemeClr>
+            </a:solidFill>
+          </a:ln>
+          <a:effectLst/>
+        </p:spPr>
+        <p:style>
+          <a:lnRef idx="1">
+            <a:schemeClr val="accent1"/>
+          </a:lnRef>
+          <a:fillRef idx="3">
+            <a:schemeClr val="accent1"/>
+          </a:fillRef>
+          <a:effectRef idx="2">
+            <a:schemeClr val="accent1"/>
+          </a:effectRef>
+          <a:fontRef idx="minor">
+            <a:schemeClr val="lt1"/>
+          </a:fontRef>
+        </p:style>
+        <p:txBody>
+          <a:bodyPr/>
+          <a:lstStyle/>
+          <a:p>
+            <a:endParaRPr lang="en-US" dirty="0"/>
+          </a:p>
+        </p:txBody>
+      </p:sp>
+      <p:sp>
+        <p:nvSpPr>
+          <p:cNvPr id="7" name="Line Callout 1 6"/>
+          <p:cNvSpPr/>
+          <p:nvPr/>
+        </p:nvSpPr>
+        <p:spPr>
+          <a:xfrm>
+            <a:off x="6984752" y="1507765"/>
+            <a:ext cx="2060437" cy="487761"/>
+          </a:xfrm>
+          <a:prstGeom prst="borderCallout1">
+            <a:avLst>
+              <a:gd name="adj1" fmla="val -512"/>
+              <a:gd name="adj2" fmla="val 28215"/>
+              <a:gd name="adj3" fmla="val -31455"/>
+              <a:gd name="adj4" fmla="val -8269"/>
+            </a:avLst>
+          </a:prstGeom>
+          <a:solidFill>
+            <a:schemeClr val="accent5">
+              <a:lumMod val="60000"/>
+              <a:lumOff val="40000"/>
+            </a:schemeClr>
+          </a:solidFill>
+          <a:ln/>
+        </p:spPr>
+        <p:style>
+          <a:lnRef idx="1">
+            <a:schemeClr val="accent1"/>
+          </a:lnRef>
+          <a:fillRef idx="3">
+            <a:schemeClr val="accent1"/>
+          </a:fillRef>
+          <a:effectRef idx="2">
+            <a:schemeClr val="accent1"/>
+          </a:effectRef>
+          <a:fontRef idx="minor">
+            <a:schemeClr val="lt1"/>
+          </a:fontRef>
+        </p:style>
+        <p:txBody>
+          <a:bodyPr/>
+          <a:lstStyle/>
+          <a:p>
+            <a:r>
+              <a:rPr lang="ja-JP" altLang="en-US" dirty="0" smtClean="0">
+                <a:solidFill>
+                  <a:srgbClr val="000000"/>
+                </a:solidFill>
+              </a:rPr>
+              <a:t>ネガティブ</a:t>
+            </a:r>
+            <a:endParaRPr lang="en-US" dirty="0">
+              <a:solidFill>
+                <a:srgbClr val="000000"/>
+              </a:solidFill>
+            </a:endParaRPr>
+          </a:p>
+        </p:txBody>
+      </p:sp>
+      <p:sp>
+        <p:nvSpPr>
+          <p:cNvPr id="9" name="Rectangle 8"/>
+          <p:cNvSpPr/>
+          <p:nvPr/>
+        </p:nvSpPr>
+        <p:spPr>
+          <a:xfrm flipV="1">
+            <a:off x="2256613" y="2902584"/>
+            <a:ext cx="4592587" cy="609104"/>
+          </a:xfrm>
+          <a:prstGeom prst="rect">
+            <a:avLst/>
+          </a:prstGeom>
+          <a:noFill/>
+          <a:ln w="28575" cmpd="sng">
+            <a:solidFill>
+              <a:srgbClr val="FF0000"/>
+            </a:solidFill>
+          </a:ln>
+          <a:effectLst/>
+        </p:spPr>
+        <p:style>
+          <a:lnRef idx="1">
+            <a:schemeClr val="accent1"/>
+          </a:lnRef>
+          <a:fillRef idx="3">
+            <a:schemeClr val="accent1"/>
+          </a:fillRef>
+          <a:effectRef idx="2">
+            <a:schemeClr val="accent1"/>
+          </a:effectRef>
+          <a:fontRef idx="minor">
+            <a:schemeClr val="lt1"/>
+          </a:fontRef>
+        </p:style>
+        <p:txBody>
+          <a:bodyPr/>
+          <a:lstStyle/>
+          <a:p>
+            <a:endParaRPr lang="en-US"/>
+          </a:p>
+        </p:txBody>
+      </p:sp>
+      <p:sp>
+        <p:nvSpPr>
+          <p:cNvPr id="10" name="Line Callout 1 9"/>
+          <p:cNvSpPr/>
+          <p:nvPr/>
+        </p:nvSpPr>
+        <p:spPr>
+          <a:xfrm>
+            <a:off x="79312" y="1995526"/>
+            <a:ext cx="2097756" cy="487761"/>
+          </a:xfrm>
+          <a:prstGeom prst="borderCallout1">
+            <a:avLst>
+              <a:gd name="adj1" fmla="val 95127"/>
+              <a:gd name="adj2" fmla="val 68368"/>
+              <a:gd name="adj3" fmla="val 234207"/>
+              <a:gd name="adj4" fmla="val 101690"/>
+            </a:avLst>
+          </a:prstGeom>
+          <a:solidFill>
+            <a:schemeClr val="accent2">
+              <a:lumMod val="60000"/>
+              <a:lumOff val="40000"/>
+            </a:schemeClr>
+          </a:solidFill>
+          <a:ln>
+            <a:solidFill>
+              <a:srgbClr val="FF0000"/>
+            </a:solidFill>
+          </a:ln>
+        </p:spPr>
+        <p:style>
+          <a:lnRef idx="1">
+            <a:schemeClr val="accent1"/>
+          </a:lnRef>
+          <a:fillRef idx="3">
+            <a:schemeClr val="accent1"/>
+          </a:fillRef>
+          <a:effectRef idx="2">
+            <a:schemeClr val="accent1"/>
+          </a:effectRef>
+          <a:fontRef idx="minor">
+            <a:schemeClr val="lt1"/>
+          </a:fontRef>
+        </p:style>
+        <p:txBody>
+          <a:bodyPr/>
+          <a:lstStyle/>
+          <a:p>
+            <a:r>
+              <a:rPr lang="ja-JP" altLang="en-US" dirty="0" smtClean="0">
+                <a:solidFill>
+                  <a:srgbClr val="000000"/>
+                </a:solidFill>
+              </a:rPr>
+              <a:t>ポジティブ</a:t>
+            </a:r>
+            <a:endParaRPr lang="en-US" dirty="0">
+              <a:solidFill>
+                <a:srgbClr val="000000"/>
+              </a:solidFill>
+            </a:endParaRPr>
+          </a:p>
+        </p:txBody>
+      </p:sp>
+      <p:pic>
+        <p:nvPicPr>
+          <p:cNvPr id="8" name="Picture 7" descr="5.gif"/>
+          <p:cNvPicPr>
+            <a:picLocks noChangeAspect="1"/>
+          </p:cNvPicPr>
+          <p:nvPr/>
+        </p:nvPicPr>
+        <p:blipFill>
+          <a:blip r:embed="rId3">
+            <a:extLst>
+              <a:ext uri="{28A0092B-C50C-407E-A947-70E740481C1C}">
+                <a14:useLocalDpi xmlns:a14="http://schemas.microsoft.com/office/drawing/2010/main" val="0"/>
+              </a:ext>
+            </a:extLst>
+          </a:blip>
+          <a:stretch>
+            <a:fillRect/>
+          </a:stretch>
+        </p:blipFill>
+        <p:spPr>
+          <a:xfrm>
+            <a:off x="79312" y="3086741"/>
+            <a:ext cx="1587500" cy="1612900"/>
+          </a:xfrm>
+          <a:prstGeom prst="rect">
+            <a:avLst/>
+          </a:prstGeom>
+        </p:spPr>
+      </p:pic>
+      <p:pic>
+        <p:nvPicPr>
+          <p:cNvPr id="11" name="Picture 10" descr="6.gif"/>
+          <p:cNvPicPr>
+            <a:picLocks noChangeAspect="1"/>
+          </p:cNvPicPr>
+          <p:nvPr/>
+        </p:nvPicPr>
+        <p:blipFill>
+          <a:blip r:embed="rId4">
+            <a:extLst>
+              <a:ext uri="{28A0092B-C50C-407E-A947-70E740481C1C}">
+                <a14:useLocalDpi xmlns:a14="http://schemas.microsoft.com/office/drawing/2010/main" val="0"/>
+              </a:ext>
+            </a:extLst>
+          </a:blip>
+          <a:stretch>
+            <a:fillRect/>
+          </a:stretch>
+        </p:blipFill>
+        <p:spPr>
+          <a:xfrm>
+            <a:off x="7163177" y="3086741"/>
+            <a:ext cx="1536700" cy="1612900"/>
+          </a:xfrm>
+          <a:prstGeom prst="rect">
+            <a:avLst/>
+          </a:prstGeom>
+        </p:spPr>
+      </p:pic>
+    </p:spTree>
+    <p:extLst>
+      <p:ext uri="{BB962C8B-B14F-4D97-AF65-F5344CB8AC3E}">
+        <p14:creationId xmlns:p14="http://schemas.microsoft.com/office/powerpoint/2010/main" val="3645157586"/>
+      </p:ext>
+    </p:extLst>
+  </p:cSld>
+  <p:clrMapOvr>
+    <a:masterClrMapping/>
+  </p:clrMapOvr>
+</p:sld>
+</file>
+
+<file path=ppt/slides/slide13.xml><?xml version="1.0" encoding="utf-8"?>
+<p:sld xmlns:a="http://schemas.openxmlformats.org/drawingml/2006/main" xmlns:r="http://schemas.openxmlformats.org/officeDocument/2006/relationships" xmlns:p="http://schemas.openxmlformats.org/presentationml/2006/main">
+  <p:cSld>
+    <p:spTree>
+      <p:nvGrpSpPr>
+        <p:cNvPr id="1" name=""/>
+        <p:cNvGrpSpPr/>
+        <p:nvPr/>
+      </p:nvGrpSpPr>
+      <p:grpSpPr>
+        <a:xfrm>
+          <a:off x="0" y="0"/>
+          <a:ext cx="0" cy="0"/>
+          <a:chOff x="0" y="0"/>
+          <a:chExt cx="0" cy="0"/>
+        </a:xfrm>
+      </p:grpSpPr>
+      <p:pic>
+        <p:nvPicPr>
+          <p:cNvPr id="4" name="Picture 3" descr="スクリーンショット 2014-10-18 19.24.41.png"/>
+          <p:cNvPicPr>
+            <a:picLocks noChangeAspect="1"/>
+          </p:cNvPicPr>
+          <p:nvPr/>
+        </p:nvPicPr>
+        <p:blipFill>
+          <a:blip r:embed="rId2">
+            <a:extLst>
+              <a:ext uri="{28A0092B-C50C-407E-A947-70E740481C1C}">
+                <a14:useLocalDpi xmlns:a14="http://schemas.microsoft.com/office/drawing/2010/main" val="0"/>
+              </a:ext>
+            </a:extLst>
+          </a:blip>
+          <a:stretch>
+            <a:fillRect/>
+          </a:stretch>
+        </p:blipFill>
+        <p:spPr>
+          <a:xfrm>
+            <a:off x="610232" y="0"/>
+            <a:ext cx="3650226" cy="6858000"/>
+          </a:xfrm>
+          <a:prstGeom prst="rect">
+            <a:avLst/>
+          </a:prstGeom>
+        </p:spPr>
+      </p:pic>
+      <p:sp>
+        <p:nvSpPr>
+          <p:cNvPr id="5" name="TextBox 4"/>
+          <p:cNvSpPr txBox="1"/>
+          <p:nvPr/>
+        </p:nvSpPr>
+        <p:spPr>
+          <a:xfrm>
+            <a:off x="4923063" y="733266"/>
+            <a:ext cx="3805850" cy="5447645"/>
+          </a:xfrm>
+          <a:prstGeom prst="rect">
+            <a:avLst/>
+          </a:prstGeom>
+          <a:noFill/>
+        </p:spPr>
+        <p:txBody>
+          <a:bodyPr wrap="none" rtlCol="0">
+            <a:spAutoFit/>
+          </a:bodyPr>
+          <a:lstStyle/>
+          <a:p>
+            <a:r>
+              <a:rPr lang="ja-JP" altLang="en-US" sz="3600" dirty="0"/>
+              <a:t>１：友達から幸せ</a:t>
+            </a:r>
+            <a:r>
+              <a:rPr lang="ja-JP" altLang="en-US" sz="3600" dirty="0" smtClean="0"/>
+              <a:t>を</a:t>
+            </a:r>
+            <a:endParaRPr lang="en-US" altLang="ja-JP" sz="3600" dirty="0" smtClean="0"/>
+          </a:p>
+          <a:p>
+            <a:r>
+              <a:rPr lang="ja-JP" altLang="ja-JP" sz="3600" dirty="0"/>
+              <a:t>　</a:t>
+            </a:r>
+            <a:r>
+              <a:rPr lang="ja-JP" altLang="en-US" sz="3600" dirty="0" smtClean="0"/>
+              <a:t>　</a:t>
+            </a:r>
+            <a:r>
+              <a:rPr lang="ja-JP" altLang="en-US" sz="3600" dirty="0" smtClean="0"/>
+              <a:t>分けてもらう</a:t>
+            </a:r>
+            <a:endParaRPr lang="en-US" altLang="ja-JP" sz="3600" dirty="0" smtClean="0"/>
+          </a:p>
+          <a:p>
+            <a:endParaRPr lang="en-US" altLang="ja-JP" sz="3600" dirty="0" smtClean="0"/>
+          </a:p>
+          <a:p>
+            <a:pPr algn="ctr"/>
+            <a:r>
+              <a:rPr lang="en-US" altLang="ja-JP" sz="3600" dirty="0" smtClean="0"/>
+              <a:t>                or</a:t>
+            </a:r>
+          </a:p>
+          <a:p>
+            <a:endParaRPr lang="en-US" altLang="ja-JP" sz="3600" dirty="0" smtClean="0"/>
+          </a:p>
+          <a:p>
+            <a:r>
+              <a:rPr lang="en-US" altLang="ja-JP" sz="3600" dirty="0" smtClean="0"/>
+              <a:t>2</a:t>
+            </a:r>
+            <a:r>
+              <a:rPr lang="ja-JP" altLang="en-US" sz="3600" dirty="0"/>
+              <a:t>：友達に幸せ</a:t>
+            </a:r>
+            <a:r>
+              <a:rPr lang="ja-JP" altLang="en-US" sz="3600" dirty="0" smtClean="0"/>
+              <a:t>を</a:t>
+            </a:r>
+            <a:endParaRPr lang="en-US" altLang="ja-JP" sz="3600" dirty="0" smtClean="0"/>
+          </a:p>
+          <a:p>
+            <a:r>
+              <a:rPr lang="ja-JP" altLang="ja-JP" sz="3600" dirty="0"/>
+              <a:t>　</a:t>
+            </a:r>
+            <a:r>
+              <a:rPr lang="ja-JP" altLang="en-US" sz="3600" dirty="0" smtClean="0"/>
+              <a:t>　</a:t>
+            </a:r>
+            <a:r>
+              <a:rPr lang="ja-JP" altLang="en-US" sz="3600" dirty="0" smtClean="0"/>
+              <a:t>分けて</a:t>
+            </a:r>
+            <a:r>
+              <a:rPr lang="ja-JP" altLang="en-US" sz="3600" dirty="0"/>
+              <a:t>あげる</a:t>
+            </a:r>
+            <a:endParaRPr lang="en-US" altLang="ja-JP" sz="3600" dirty="0" smtClean="0"/>
+          </a:p>
+          <a:p>
+            <a:endParaRPr lang="en-US" sz="3200" dirty="0" smtClean="0"/>
+          </a:p>
+          <a:p>
+            <a:endParaRPr lang="en-US" sz="3200" dirty="0"/>
+          </a:p>
+          <a:p>
+            <a:endParaRPr lang="en-US" sz="3200" dirty="0" smtClean="0"/>
+          </a:p>
+        </p:txBody>
+      </p:sp>
+    </p:spTree>
+    <p:extLst>
+      <p:ext uri="{BB962C8B-B14F-4D97-AF65-F5344CB8AC3E}">
+        <p14:creationId xmlns:p14="http://schemas.microsoft.com/office/powerpoint/2010/main" val="2914399084"/>
+      </p:ext>
+    </p:extLst>
+  </p:cSld>
+  <p:clrMapOvr>
+    <a:masterClrMapping/>
+  </p:clrMapOvr>
+</p:sld>
+</file>
+
+<file path=ppt/slides/slide14.xml><?xml version="1.0" encoding="utf-8"?>
 <p:sld xmlns:a="http://schemas.openxmlformats.org/drawingml/2006/main" xmlns:r="http://schemas.openxmlformats.org/officeDocument/2006/relationships" xmlns:p="http://schemas.openxmlformats.org/presentationml/2006/main">
   <p:cSld>
     <p:spTree>
@@ -4316,7 +5518,7 @@
 </p:sld>
 </file>
 
-<file path=ppt/slides/slide11.xml><?xml version="1.0" encoding="utf-8"?>
+<file path=ppt/slides/slide15.xml><?xml version="1.0" encoding="utf-8"?>
 <p:sld xmlns:a="http://schemas.openxmlformats.org/drawingml/2006/main" xmlns:r="http://schemas.openxmlformats.org/officeDocument/2006/relationships" xmlns:p="http://schemas.openxmlformats.org/presentationml/2006/main">
   <p:cSld>
     <p:spTree>
@@ -4356,11 +5558,7 @@
             </a:r>
             <a:r>
               <a:rPr lang="ja-JP" altLang="en-US" dirty="0" smtClean="0"/>
-              <a:t>：友達に幸せ</a:t>
-            </a:r>
-            <a:r>
-              <a:rPr lang="ja-JP" altLang="en-US" smtClean="0"/>
-              <a:t>を分けてあげる</a:t>
+              <a:t>：友達に幸せを分けてあげる</a:t>
             </a:r>
             <a:endParaRPr lang="en-US" dirty="0"/>
           </a:p>
@@ -4562,7 +5760,7 @@
 </p:sld>
 </file>
 
-<file path=ppt/slides/slide12.xml><?xml version="1.0" encoding="utf-8"?>
+<file path=ppt/slides/slide16.xml><?xml version="1.0" encoding="utf-8"?>
 <p:sld xmlns:a="http://schemas.openxmlformats.org/drawingml/2006/main" xmlns:r="http://schemas.openxmlformats.org/officeDocument/2006/relationships" xmlns:p="http://schemas.openxmlformats.org/presentationml/2006/main">
   <p:cSld>
     <p:spTree>
@@ -4589,73 +5787,41 @@
             <p:ph type="title"/>
           </p:nvPr>
         </p:nvSpPr>
-        <p:spPr/>
-        <p:txBody>
-          <a:bodyPr/>
-          <a:lstStyle/>
-          <a:p>
-            <a:endParaRPr lang="en-US" dirty="0"/>
-          </a:p>
-        </p:txBody>
-      </p:sp>
-      <p:sp>
-        <p:nvSpPr>
-          <p:cNvPr id="3" name="Content Placeholder 2"/>
-          <p:cNvSpPr>
-            <a:spLocks noGrp="1"/>
-          </p:cNvSpPr>
-          <p:nvPr>
-            <p:ph idx="1"/>
-          </p:nvPr>
-        </p:nvSpPr>
         <p:spPr>
           <a:xfrm>
-            <a:off x="457200" y="1600200"/>
-            <a:ext cx="3245853" cy="4525963"/>
+            <a:off x="457200" y="1086805"/>
+            <a:ext cx="8229600" cy="4072244"/>
           </a:xfrm>
         </p:spPr>
         <p:txBody>
-          <a:bodyPr/>
-          <a:lstStyle/>
-          <a:p>
+          <a:bodyPr>
+            <a:normAutofit/>
+          </a:bodyPr>
+          <a:lstStyle/>
+          <a:p>
+            <a:r>
+              <a:rPr lang="ja-JP" altLang="en-US" dirty="0" smtClean="0"/>
+              <a:t>友達と供に幸せな</a:t>
+            </a:r>
+            <a:r>
+              <a:rPr lang="en-US" altLang="ja-JP" dirty="0" smtClean="0"/>
+              <a:t/>
+            </a:r>
+            <a:br>
+              <a:rPr lang="en-US" altLang="ja-JP" dirty="0" smtClean="0"/>
+            </a:br>
+            <a:r>
+              <a:rPr lang="ja-JP" altLang="en-US" dirty="0" smtClean="0"/>
+              <a:t>未来を切り開きましょう！</a:t>
+            </a:r>
             <a:endParaRPr lang="en-US" dirty="0"/>
           </a:p>
         </p:txBody>
       </p:sp>
-      <p:pic>
-        <p:nvPicPr>
-          <p:cNvPr id="4" name="Picture 3" descr="スクリーンショット 2014-10-18 17.36.58.png"/>
-          <p:cNvPicPr>
-            <a:picLocks noChangeAspect="1"/>
-          </p:cNvPicPr>
-          <p:nvPr/>
-        </p:nvPicPr>
-        <p:blipFill>
-          <a:blip r:embed="rId2">
-            <a:extLst>
-              <a:ext uri="{28A0092B-C50C-407E-A947-70E740481C1C}">
-                <a14:useLocalDpi xmlns:a14="http://schemas.microsoft.com/office/drawing/2010/main" val="0"/>
-              </a:ext>
-            </a:extLst>
-          </a:blip>
-          <a:stretch>
-            <a:fillRect/>
-          </a:stretch>
-        </p:blipFill>
-        <p:spPr>
-          <a:xfrm>
-            <a:off x="5176079" y="1600200"/>
-            <a:ext cx="2798507" cy="5257800"/>
-          </a:xfrm>
-          <a:prstGeom prst="rect">
-            <a:avLst/>
-          </a:prstGeom>
-        </p:spPr>
-      </p:pic>
     </p:spTree>
     <p:extLst>
       <p:ext uri="{BB962C8B-B14F-4D97-AF65-F5344CB8AC3E}">
-        <p14:creationId xmlns:p14="http://schemas.microsoft.com/office/powerpoint/2010/main" val="1651218405"/>
+        <p14:creationId xmlns:p14="http://schemas.microsoft.com/office/powerpoint/2010/main" val="2420375597"/>
       </p:ext>
     </p:extLst>
   </p:cSld>
@@ -4665,7 +5831,7 @@
 </p:sld>
 </file>
 
-<file path=ppt/slides/slide13.xml><?xml version="1.0" encoding="utf-8"?>
+<file path=ppt/slides/slide17.xml><?xml version="1.0" encoding="utf-8"?>
 <p:sld xmlns:a="http://schemas.openxmlformats.org/drawingml/2006/main" xmlns:r="http://schemas.openxmlformats.org/officeDocument/2006/relationships" xmlns:p="http://schemas.openxmlformats.org/presentationml/2006/main">
   <p:cSld>
     <p:spTree>
@@ -4682,48 +5848,88 @@
           <a:chExt cx="0" cy="0"/>
         </a:xfrm>
       </p:grpSpPr>
-      <p:sp>
-        <p:nvSpPr>
-          <p:cNvPr id="2" name="Title 1"/>
-          <p:cNvSpPr>
-            <a:spLocks noGrp="1"/>
-          </p:cNvSpPr>
-          <p:nvPr>
-            <p:ph type="title"/>
-          </p:nvPr>
-        </p:nvSpPr>
-        <p:spPr/>
-        <p:txBody>
-          <a:bodyPr/>
-          <a:lstStyle/>
-          <a:p>
-            <a:endParaRPr lang="en-US"/>
-          </a:p>
-        </p:txBody>
-      </p:sp>
-      <p:sp>
-        <p:nvSpPr>
-          <p:cNvPr id="3" name="Content Placeholder 2"/>
-          <p:cNvSpPr>
-            <a:spLocks noGrp="1"/>
-          </p:cNvSpPr>
-          <p:nvPr>
-            <p:ph idx="1"/>
-          </p:nvPr>
-        </p:nvSpPr>
-        <p:spPr/>
-        <p:txBody>
-          <a:bodyPr/>
-          <a:lstStyle/>
-          <a:p>
-            <a:endParaRPr lang="en-US"/>
-          </a:p>
-        </p:txBody>
-      </p:sp>
     </p:spTree>
     <p:extLst>
       <p:ext uri="{BB962C8B-B14F-4D97-AF65-F5344CB8AC3E}">
-        <p14:creationId xmlns:p14="http://schemas.microsoft.com/office/powerpoint/2010/main" val="3764474240"/>
+        <p14:creationId xmlns:p14="http://schemas.microsoft.com/office/powerpoint/2010/main" val="3451159168"/>
+      </p:ext>
+    </p:extLst>
+  </p:cSld>
+  <p:clrMapOvr>
+    <a:masterClrMapping/>
+  </p:clrMapOvr>
+</p:sld>
+</file>
+
+<file path=ppt/slides/slide18.xml><?xml version="1.0" encoding="utf-8"?>
+<p:sld xmlns:a="http://schemas.openxmlformats.org/drawingml/2006/main" xmlns:r="http://schemas.openxmlformats.org/officeDocument/2006/relationships" xmlns:p="http://schemas.openxmlformats.org/presentationml/2006/main">
+  <p:cSld>
+    <p:spTree>
+      <p:nvGrpSpPr>
+        <p:cNvPr id="1" name=""/>
+        <p:cNvGrpSpPr/>
+        <p:nvPr/>
+      </p:nvGrpSpPr>
+      <p:grpSpPr>
+        <a:xfrm>
+          <a:off x="0" y="0"/>
+          <a:ext cx="0" cy="0"/>
+          <a:chOff x="0" y="0"/>
+          <a:chExt cx="0" cy="0"/>
+        </a:xfrm>
+      </p:grpSpPr>
+      <p:sp>
+        <p:nvSpPr>
+          <p:cNvPr id="2" name="Title 1"/>
+          <p:cNvSpPr>
+            <a:spLocks noGrp="1"/>
+          </p:cNvSpPr>
+          <p:nvPr>
+            <p:ph type="title"/>
+          </p:nvPr>
+        </p:nvSpPr>
+        <p:spPr>
+          <a:xfrm>
+            <a:off x="457200" y="1086805"/>
+            <a:ext cx="8229600" cy="4072244"/>
+          </a:xfrm>
+        </p:spPr>
+        <p:txBody>
+          <a:bodyPr>
+            <a:normAutofit/>
+          </a:bodyPr>
+          <a:lstStyle/>
+          <a:p>
+            <a:r>
+              <a:rPr lang="ja-JP" altLang="en-US" dirty="0" smtClean="0"/>
+              <a:t>提供</a:t>
+            </a:r>
+            <a:r>
+              <a:rPr lang="en-US" altLang="ja-JP" dirty="0" smtClean="0"/>
+              <a:t/>
+            </a:r>
+            <a:br>
+              <a:rPr lang="en-US" altLang="ja-JP" dirty="0" smtClean="0"/>
+            </a:br>
+            <a:r>
+              <a:rPr lang="en-US" altLang="ja-JP" dirty="0"/>
+              <a:t/>
+            </a:r>
+            <a:br>
+              <a:rPr lang="en-US" altLang="ja-JP" dirty="0"/>
+            </a:br>
+            <a:r>
+              <a:rPr lang="ja-JP" altLang="en-US" dirty="0" smtClean="0"/>
+              <a:t>さくら信教</a:t>
+            </a:r>
+            <a:endParaRPr lang="en-US" dirty="0"/>
+          </a:p>
+        </p:txBody>
+      </p:sp>
+    </p:spTree>
+    <p:extLst>
+      <p:ext uri="{BB962C8B-B14F-4D97-AF65-F5344CB8AC3E}">
+        <p14:creationId xmlns:p14="http://schemas.microsoft.com/office/powerpoint/2010/main" val="1597658225"/>
       </p:ext>
     </p:extLst>
   </p:cSld>
@@ -5109,7 +6315,11 @@
           <a:p>
             <a:r>
               <a:rPr lang="ja-JP" altLang="en-US" dirty="0" smtClean="0"/>
-              <a:t>ウソです。ごめんなさい。</a:t>
+              <a:t>ウソです。ごめんなさい</a:t>
+            </a:r>
+            <a:r>
+              <a:rPr lang="ja-JP" altLang="en-US" dirty="0" smtClean="0"/>
+              <a:t>。</a:t>
             </a:r>
             <a:endParaRPr lang="en-US" dirty="0"/>
           </a:p>
@@ -5162,25 +6372,12 @@
           </a:xfrm>
         </p:spPr>
         <p:txBody>
-          <a:bodyPr>
-            <a:normAutofit fontScale="90000"/>
-          </a:bodyPr>
+          <a:bodyPr/>
           <a:lstStyle/>
           <a:p>
             <a:r>
               <a:rPr lang="ja-JP" altLang="en-US" dirty="0" smtClean="0"/>
-              <a:t>友達と一緒に幸せになる</a:t>
-            </a:r>
-            <a:r>
-              <a:rPr lang="en-US" altLang="ja-JP" dirty="0" smtClean="0"/>
-              <a:t/>
-            </a:r>
-            <a:br>
-              <a:rPr lang="en-US" altLang="ja-JP" dirty="0" smtClean="0"/>
-            </a:br>
-            <a:r>
-              <a:rPr lang="ja-JP" altLang="en-US" dirty="0" smtClean="0"/>
-              <a:t>サービスできました</a:t>
+              <a:t>改めまして</a:t>
             </a:r>
             <a:endParaRPr lang="en-US" dirty="0"/>
           </a:p>
@@ -5189,7 +6386,7 @@
     </p:spTree>
     <p:extLst>
       <p:ext uri="{BB962C8B-B14F-4D97-AF65-F5344CB8AC3E}">
-        <p14:creationId xmlns:p14="http://schemas.microsoft.com/office/powerpoint/2010/main" val="1897635239"/>
+        <p14:creationId xmlns:p14="http://schemas.microsoft.com/office/powerpoint/2010/main" val="2971184681"/>
       </p:ext>
     </p:extLst>
   </p:cSld>
@@ -5216,257 +6413,51 @@
           <a:chExt cx="0" cy="0"/>
         </a:xfrm>
       </p:grpSpPr>
-      <p:pic>
-        <p:nvPicPr>
-          <p:cNvPr id="5" name="Picture 4" descr="スクリーンショット 2014-10-18 17.58.38.png"/>
-          <p:cNvPicPr>
-            <a:picLocks noChangeAspect="1"/>
-          </p:cNvPicPr>
-          <p:nvPr/>
-        </p:nvPicPr>
-        <p:blipFill>
-          <a:blip r:embed="rId2">
-            <a:extLst>
-              <a:ext uri="{28A0092B-C50C-407E-A947-70E740481C1C}">
-                <a14:useLocalDpi xmlns:a14="http://schemas.microsoft.com/office/drawing/2010/main" val="0"/>
-              </a:ext>
-            </a:extLst>
-          </a:blip>
-          <a:stretch>
-            <a:fillRect/>
-          </a:stretch>
-        </p:blipFill>
+      <p:sp>
+        <p:nvSpPr>
+          <p:cNvPr id="2" name="Title 1"/>
+          <p:cNvSpPr>
+            <a:spLocks noGrp="1"/>
+          </p:cNvSpPr>
+          <p:nvPr>
+            <p:ph type="title"/>
+          </p:nvPr>
+        </p:nvSpPr>
         <p:spPr>
           <a:xfrm>
-            <a:off x="2259722" y="317112"/>
-            <a:ext cx="4592587" cy="5962578"/>
+            <a:off x="457200" y="2801270"/>
+            <a:ext cx="8229600" cy="1143000"/>
           </a:xfrm>
-          <a:prstGeom prst="rect">
-            <a:avLst/>
-          </a:prstGeom>
         </p:spPr>
-      </p:pic>
-      <p:sp>
-        <p:nvSpPr>
-          <p:cNvPr id="6" name="Rectangle 5"/>
-          <p:cNvSpPr/>
-          <p:nvPr/>
-        </p:nvSpPr>
-        <p:spPr>
-          <a:xfrm>
-            <a:off x="2259721" y="689945"/>
-            <a:ext cx="4592587" cy="968673"/>
-          </a:xfrm>
-          <a:prstGeom prst="rect">
-            <a:avLst/>
-          </a:prstGeom>
-          <a:noFill/>
-          <a:ln w="28575" cmpd="sng">
-            <a:solidFill>
-              <a:schemeClr val="accent5">
-                <a:lumMod val="60000"/>
-                <a:lumOff val="40000"/>
-              </a:schemeClr>
-            </a:solidFill>
-          </a:ln>
-          <a:effectLst/>
-        </p:spPr>
-        <p:style>
-          <a:lnRef idx="1">
-            <a:schemeClr val="accent1"/>
-          </a:lnRef>
-          <a:fillRef idx="3">
-            <a:schemeClr val="accent1"/>
-          </a:fillRef>
-          <a:effectRef idx="2">
-            <a:schemeClr val="accent1"/>
-          </a:effectRef>
-          <a:fontRef idx="minor">
-            <a:schemeClr val="lt1"/>
-          </a:fontRef>
-        </p:style>
-        <p:txBody>
-          <a:bodyPr/>
-          <a:lstStyle/>
-          <a:p>
+        <p:txBody>
+          <a:bodyPr>
+            <a:normAutofit fontScale="90000"/>
+          </a:bodyPr>
+          <a:lstStyle/>
+          <a:p>
+            <a:r>
+              <a:rPr lang="ja-JP" altLang="en-US" dirty="0" smtClean="0"/>
+              <a:t>友達と一緒に幸せになる</a:t>
+            </a:r>
+            <a:r>
+              <a:rPr lang="en-US" altLang="ja-JP" dirty="0" smtClean="0"/>
+              <a:t/>
+            </a:r>
+            <a:br>
+              <a:rPr lang="en-US" altLang="ja-JP" dirty="0" smtClean="0"/>
+            </a:br>
+            <a:r>
+              <a:rPr lang="ja-JP" altLang="en-US" dirty="0" smtClean="0"/>
+              <a:t>サービスできました</a:t>
+            </a:r>
             <a:endParaRPr lang="en-US" dirty="0"/>
-          </a:p>
-        </p:txBody>
-      </p:sp>
-      <p:sp>
-        <p:nvSpPr>
-          <p:cNvPr id="7" name="Line Callout 1 6"/>
-          <p:cNvSpPr/>
-          <p:nvPr/>
-        </p:nvSpPr>
-        <p:spPr>
-          <a:xfrm>
-            <a:off x="6984752" y="1507765"/>
-            <a:ext cx="2060437" cy="487761"/>
-          </a:xfrm>
-          <a:prstGeom prst="borderCallout1">
-            <a:avLst>
-              <a:gd name="adj1" fmla="val -512"/>
-              <a:gd name="adj2" fmla="val 28215"/>
-              <a:gd name="adj3" fmla="val -31455"/>
-              <a:gd name="adj4" fmla="val -8269"/>
-            </a:avLst>
-          </a:prstGeom>
-          <a:solidFill>
-            <a:schemeClr val="accent5">
-              <a:lumMod val="60000"/>
-              <a:lumOff val="40000"/>
-            </a:schemeClr>
-          </a:solidFill>
-          <a:ln/>
-        </p:spPr>
-        <p:style>
-          <a:lnRef idx="1">
-            <a:schemeClr val="accent1"/>
-          </a:lnRef>
-          <a:fillRef idx="3">
-            <a:schemeClr val="accent1"/>
-          </a:fillRef>
-          <a:effectRef idx="2">
-            <a:schemeClr val="accent1"/>
-          </a:effectRef>
-          <a:fontRef idx="minor">
-            <a:schemeClr val="lt1"/>
-          </a:fontRef>
-        </p:style>
-        <p:txBody>
-          <a:bodyPr/>
-          <a:lstStyle/>
-          <a:p>
-            <a:r>
-              <a:rPr lang="ja-JP" altLang="en-US" dirty="0" smtClean="0">
-                <a:solidFill>
-                  <a:srgbClr val="000000"/>
-                </a:solidFill>
-              </a:rPr>
-              <a:t>ネガティブ</a:t>
-            </a:r>
-            <a:endParaRPr lang="en-US" dirty="0">
-              <a:solidFill>
-                <a:srgbClr val="000000"/>
-              </a:solidFill>
-            </a:endParaRPr>
-          </a:p>
-        </p:txBody>
-      </p:sp>
-      <p:sp>
-        <p:nvSpPr>
-          <p:cNvPr id="9" name="Rectangle 8"/>
-          <p:cNvSpPr/>
-          <p:nvPr/>
-        </p:nvSpPr>
-        <p:spPr>
-          <a:xfrm flipV="1">
-            <a:off x="2256613" y="2902584"/>
-            <a:ext cx="4592587" cy="609104"/>
-          </a:xfrm>
-          <a:prstGeom prst="rect">
-            <a:avLst/>
-          </a:prstGeom>
-          <a:noFill/>
-          <a:ln w="28575" cmpd="sng">
-            <a:solidFill>
-              <a:srgbClr val="FF0000"/>
-            </a:solidFill>
-          </a:ln>
-          <a:effectLst/>
-        </p:spPr>
-        <p:style>
-          <a:lnRef idx="1">
-            <a:schemeClr val="accent1"/>
-          </a:lnRef>
-          <a:fillRef idx="3">
-            <a:schemeClr val="accent1"/>
-          </a:fillRef>
-          <a:effectRef idx="2">
-            <a:schemeClr val="accent1"/>
-          </a:effectRef>
-          <a:fontRef idx="minor">
-            <a:schemeClr val="lt1"/>
-          </a:fontRef>
-        </p:style>
-        <p:txBody>
-          <a:bodyPr/>
-          <a:lstStyle/>
-          <a:p>
-            <a:endParaRPr lang="en-US"/>
-          </a:p>
-        </p:txBody>
-      </p:sp>
-      <p:sp>
-        <p:nvSpPr>
-          <p:cNvPr id="10" name="Line Callout 1 9"/>
-          <p:cNvSpPr/>
-          <p:nvPr/>
-        </p:nvSpPr>
-        <p:spPr>
-          <a:xfrm>
-            <a:off x="79312" y="1995526"/>
-            <a:ext cx="2097756" cy="487761"/>
-          </a:xfrm>
-          <a:prstGeom prst="borderCallout1">
-            <a:avLst>
-              <a:gd name="adj1" fmla="val 95127"/>
-              <a:gd name="adj2" fmla="val 68368"/>
-              <a:gd name="adj3" fmla="val 234207"/>
-              <a:gd name="adj4" fmla="val 101690"/>
-            </a:avLst>
-          </a:prstGeom>
-          <a:solidFill>
-            <a:schemeClr val="accent2">
-              <a:lumMod val="60000"/>
-              <a:lumOff val="40000"/>
-            </a:schemeClr>
-          </a:solidFill>
-          <a:ln>
-            <a:solidFill>
-              <a:srgbClr val="FF0000"/>
-            </a:solidFill>
-          </a:ln>
-        </p:spPr>
-        <p:style>
-          <a:lnRef idx="1">
-            <a:schemeClr val="accent1"/>
-          </a:lnRef>
-          <a:fillRef idx="3">
-            <a:schemeClr val="accent1"/>
-          </a:fillRef>
-          <a:effectRef idx="2">
-            <a:schemeClr val="accent1"/>
-          </a:effectRef>
-          <a:fontRef idx="minor">
-            <a:schemeClr val="lt1"/>
-          </a:fontRef>
-        </p:style>
-        <p:txBody>
-          <a:bodyPr/>
-          <a:lstStyle/>
-          <a:p>
-            <a:r>
-              <a:rPr lang="ja-JP" altLang="en-US" dirty="0" smtClean="0">
-                <a:solidFill>
-                  <a:srgbClr val="000000"/>
-                </a:solidFill>
-              </a:rPr>
-              <a:t>ポジティブ</a:t>
-            </a:r>
-            <a:endParaRPr lang="en-US" dirty="0">
-              <a:solidFill>
-                <a:srgbClr val="000000"/>
-              </a:solidFill>
-            </a:endParaRPr>
           </a:p>
         </p:txBody>
       </p:sp>
     </p:spTree>
     <p:extLst>
       <p:ext uri="{BB962C8B-B14F-4D97-AF65-F5344CB8AC3E}">
-        <p14:creationId xmlns:p14="http://schemas.microsoft.com/office/powerpoint/2010/main" val="3645157586"/>
+        <p14:creationId xmlns:p14="http://schemas.microsoft.com/office/powerpoint/2010/main" val="1897635239"/>
       </p:ext>
     </p:extLst>
   </p:cSld>
